--- a/DP G7 final review.pptx
+++ b/DP G7 final review.pptx
@@ -53,15 +53,15 @@
   <p:notesSz cx="6858000" cy="9144000"/>
   <p:embeddedFontLst>
     <p:embeddedFont>
-      <p:font typeface="Calibri" panose="020F0502020204030204" pitchFamily="34" charset="0"/>
-      <p:regular r:id="rId41"/>
-      <p:bold r:id="rId42"/>
-      <p:italic r:id="rId43"/>
-      <p:boldItalic r:id="rId44"/>
+      <p:font typeface="Arial Black" panose="020B0A04020102020204" pitchFamily="34" charset="0"/>
+      <p:bold r:id="rId41"/>
     </p:embeddedFont>
     <p:embeddedFont>
-      <p:font typeface="Arial Black" panose="020B0A04020102020204" pitchFamily="34" charset="0"/>
-      <p:bold r:id="rId45"/>
+      <p:font typeface="Calibri" panose="020F0502020204030204" pitchFamily="34" charset="0"/>
+      <p:regular r:id="rId42"/>
+      <p:bold r:id="rId43"/>
+      <p:italic r:id="rId44"/>
+      <p:boldItalic r:id="rId45"/>
     </p:embeddedFont>
   </p:embeddedFontLst>
   <p:defaultTextStyle>
@@ -395,7 +395,7 @@
             <a:fld id="{F5F28696-5E5C-47CD-B9FD-D081CFE4730E}" type="datetimeFigureOut">
               <a:rPr lang="en-US" smtClean="0"/>
               <a:pPr/>
-              <a:t>11/17/2019</a:t>
+              <a:t>11/18/2019</a:t>
             </a:fld>
             <a:endParaRPr lang="en-US"/>
           </a:p>
@@ -1502,7 +1502,7 @@
               </a:pPr>
               <a:t>1</a:t>
             </a:fld>
-            <a:endParaRPr sz="1200" b="0" i="0" u="none">
+            <a:endParaRPr sz="1200" b="0" i="0" u="none" dirty="0">
               <a:solidFill>
                 <a:srgbClr val="000000"/>
               </a:solidFill>
@@ -1585,7 +1585,7 @@
               </a:pPr>
               <a:t>1</a:t>
             </a:fld>
-            <a:endParaRPr sz="1200" b="0" i="0" u="none">
+            <a:endParaRPr sz="1200" b="0" i="0" u="none" dirty="0">
               <a:solidFill>
                 <a:srgbClr val="FFFFFF"/>
               </a:solidFill>
@@ -1668,7 +1668,7 @@
               </a:pPr>
               <a:t>1</a:t>
             </a:fld>
-            <a:endParaRPr sz="1200" b="0" i="0" u="none">
+            <a:endParaRPr sz="1200" b="0" i="0" u="none" dirty="0">
               <a:solidFill>
                 <a:srgbClr val="000000"/>
               </a:solidFill>
@@ -1751,7 +1751,7 @@
               </a:pPr>
               <a:t>1</a:t>
             </a:fld>
-            <a:endParaRPr sz="1200" b="0" i="0" u="none">
+            <a:endParaRPr sz="1200" b="0" i="0" u="none" dirty="0">
               <a:solidFill>
                 <a:srgbClr val="000000"/>
               </a:solidFill>
@@ -1852,7 +1852,7 @@
               </a:spcAft>
               <a:buNone/>
             </a:pPr>
-            <a:endParaRPr/>
+            <a:endParaRPr dirty="0"/>
           </a:p>
         </p:txBody>
       </p:sp>
@@ -1917,7 +1917,7 @@
               </a:pPr>
               <a:t>1</a:t>
             </a:fld>
-            <a:endParaRPr lang="en-US" sz="1200" b="0" i="0" u="none">
+            <a:endParaRPr lang="en-US" sz="1200" b="0" i="0" u="none" dirty="0">
               <a:solidFill>
                 <a:srgbClr val="000000"/>
               </a:solidFill>
@@ -3570,7 +3570,7 @@
               </a:spcAft>
               <a:buNone/>
             </a:pPr>
-            <a:endParaRPr/>
+            <a:endParaRPr dirty="0"/>
           </a:p>
         </p:txBody>
       </p:sp>
@@ -3635,7 +3635,7 @@
               </a:pPr>
               <a:t>2</a:t>
             </a:fld>
-            <a:endParaRPr lang="en-US" sz="1200" b="0" i="0" u="none">
+            <a:endParaRPr lang="en-US" sz="1200" b="0" i="0" u="none" dirty="0">
               <a:solidFill>
                 <a:srgbClr val="000000"/>
               </a:solidFill>
@@ -3766,7 +3766,7 @@
               </a:spcAft>
               <a:buNone/>
             </a:pPr>
-            <a:endParaRPr/>
+            <a:endParaRPr dirty="0"/>
           </a:p>
         </p:txBody>
       </p:sp>
@@ -3831,7 +3831,7 @@
               </a:pPr>
               <a:t>3</a:t>
             </a:fld>
-            <a:endParaRPr lang="en-US" sz="1200" b="0" i="0" u="none">
+            <a:endParaRPr lang="en-US" sz="1200" b="0" i="0" u="none" dirty="0">
               <a:solidFill>
                 <a:srgbClr val="000000"/>
               </a:solidFill>
@@ -3944,7 +3944,7 @@
               </a:pPr>
               <a:t>4</a:t>
             </a:fld>
-            <a:endParaRPr sz="1200" b="0" i="0" u="none">
+            <a:endParaRPr sz="1200" b="0" i="0" u="none" dirty="0">
               <a:solidFill>
                 <a:srgbClr val="000000"/>
               </a:solidFill>
@@ -4027,7 +4027,7 @@
               </a:pPr>
               <a:t>4</a:t>
             </a:fld>
-            <a:endParaRPr sz="1200" b="0" i="0" u="none">
+            <a:endParaRPr sz="1200" b="0" i="0" u="none" dirty="0">
               <a:solidFill>
                 <a:srgbClr val="FFFFFF"/>
               </a:solidFill>
@@ -4110,7 +4110,7 @@
               </a:pPr>
               <a:t>4</a:t>
             </a:fld>
-            <a:endParaRPr sz="1200" b="0" i="0" u="none">
+            <a:endParaRPr sz="1200" b="0" i="0" u="none" dirty="0">
               <a:solidFill>
                 <a:srgbClr val="000000"/>
               </a:solidFill>
@@ -4193,7 +4193,7 @@
               </a:pPr>
               <a:t>4</a:t>
             </a:fld>
-            <a:endParaRPr sz="1200" b="0" i="0" u="none">
+            <a:endParaRPr sz="1200" b="0" i="0" u="none" dirty="0">
               <a:solidFill>
                 <a:srgbClr val="000000"/>
               </a:solidFill>
@@ -4294,7 +4294,7 @@
               </a:spcAft>
               <a:buNone/>
             </a:pPr>
-            <a:endParaRPr/>
+            <a:endParaRPr dirty="0"/>
           </a:p>
         </p:txBody>
       </p:sp>
@@ -4359,7 +4359,7 @@
               </a:pPr>
               <a:t>4</a:t>
             </a:fld>
-            <a:endParaRPr lang="en-US" sz="1200" b="0" i="0" u="none">
+            <a:endParaRPr lang="en-US" sz="1200" b="0" i="0" u="none" dirty="0">
               <a:solidFill>
                 <a:srgbClr val="000000"/>
               </a:solidFill>
@@ -4472,7 +4472,7 @@
               </a:pPr>
               <a:t>5</a:t>
             </a:fld>
-            <a:endParaRPr sz="1200" b="0" i="0" u="none">
+            <a:endParaRPr sz="1200" b="0" i="0" u="none" dirty="0">
               <a:solidFill>
                 <a:srgbClr val="000000"/>
               </a:solidFill>
@@ -4555,7 +4555,7 @@
               </a:pPr>
               <a:t>5</a:t>
             </a:fld>
-            <a:endParaRPr sz="1200" b="0" i="0" u="none">
+            <a:endParaRPr sz="1200" b="0" i="0" u="none" dirty="0">
               <a:solidFill>
                 <a:srgbClr val="FFFFFF"/>
               </a:solidFill>
@@ -4638,7 +4638,7 @@
               </a:pPr>
               <a:t>5</a:t>
             </a:fld>
-            <a:endParaRPr sz="1200" b="0" i="0" u="none">
+            <a:endParaRPr sz="1200" b="0" i="0" u="none" dirty="0">
               <a:solidFill>
                 <a:srgbClr val="000000"/>
               </a:solidFill>
@@ -4721,7 +4721,7 @@
               </a:pPr>
               <a:t>5</a:t>
             </a:fld>
-            <a:endParaRPr sz="1200" b="0" i="0" u="none">
+            <a:endParaRPr sz="1200" b="0" i="0" u="none" dirty="0">
               <a:solidFill>
                 <a:srgbClr val="000000"/>
               </a:solidFill>
@@ -4822,7 +4822,7 @@
               </a:spcAft>
               <a:buNone/>
             </a:pPr>
-            <a:endParaRPr/>
+            <a:endParaRPr dirty="0"/>
           </a:p>
         </p:txBody>
       </p:sp>
@@ -4887,7 +4887,7 @@
               </a:pPr>
               <a:t>5</a:t>
             </a:fld>
-            <a:endParaRPr lang="en-US" sz="1200" b="0" i="0" u="none">
+            <a:endParaRPr lang="en-US" sz="1200" b="0" i="0" u="none" dirty="0">
               <a:solidFill>
                 <a:srgbClr val="000000"/>
               </a:solidFill>
@@ -5000,7 +5000,7 @@
               </a:pPr>
               <a:t>6</a:t>
             </a:fld>
-            <a:endParaRPr sz="1200" b="0" i="0" u="none">
+            <a:endParaRPr sz="1200" b="0" i="0" u="none" dirty="0">
               <a:solidFill>
                 <a:srgbClr val="000000"/>
               </a:solidFill>
@@ -5083,7 +5083,7 @@
               </a:pPr>
               <a:t>6</a:t>
             </a:fld>
-            <a:endParaRPr sz="1200" b="0" i="0" u="none">
+            <a:endParaRPr sz="1200" b="0" i="0" u="none" dirty="0">
               <a:solidFill>
                 <a:srgbClr val="FFFFFF"/>
               </a:solidFill>
@@ -5166,7 +5166,7 @@
               </a:pPr>
               <a:t>6</a:t>
             </a:fld>
-            <a:endParaRPr sz="1200" b="0" i="0" u="none">
+            <a:endParaRPr sz="1200" b="0" i="0" u="none" dirty="0">
               <a:solidFill>
                 <a:srgbClr val="000000"/>
               </a:solidFill>
@@ -5249,7 +5249,7 @@
               </a:pPr>
               <a:t>6</a:t>
             </a:fld>
-            <a:endParaRPr sz="1200" b="0" i="0" u="none">
+            <a:endParaRPr sz="1200" b="0" i="0" u="none" dirty="0">
               <a:solidFill>
                 <a:srgbClr val="000000"/>
               </a:solidFill>
@@ -5350,7 +5350,7 @@
               </a:spcAft>
               <a:buNone/>
             </a:pPr>
-            <a:endParaRPr/>
+            <a:endParaRPr dirty="0"/>
           </a:p>
         </p:txBody>
       </p:sp>
@@ -5415,7 +5415,7 @@
               </a:pPr>
               <a:t>6</a:t>
             </a:fld>
-            <a:endParaRPr lang="en-US" sz="1200" b="0" i="0" u="none">
+            <a:endParaRPr lang="en-US" sz="1200" b="0" i="0" u="none" dirty="0">
               <a:solidFill>
                 <a:srgbClr val="000000"/>
               </a:solidFill>
@@ -7295,7 +7295,7 @@
               <a:buNone/>
               <a:defRPr sz="1200" b="0" i="0" u="none">
                 <a:solidFill>
-                  <a:srgbClr val="898989"/>
+                  <a:schemeClr val="tx1"/>
                 </a:solidFill>
                 <a:latin typeface="Calibri"/>
                 <a:ea typeface="Calibri"/>
@@ -7513,26 +7513,9 @@
             </a:lvl9pPr>
           </a:lstStyle>
           <a:p>
-            <a:pPr marL="0" lvl="0" indent="0" algn="r" rtl="0">
-              <a:spcBef>
-                <a:spcPts val="0"/>
-              </a:spcBef>
-              <a:spcAft>
-                <a:spcPts val="0"/>
-              </a:spcAft>
-              <a:buNone/>
-            </a:pPr>
             <a:fld id="{00000000-1234-1234-1234-123412341234}" type="slidenum">
-              <a:rPr lang="en-US"/>
-              <a:pPr marL="0" lvl="0" indent="0" algn="r" rtl="0">
-                <a:spcBef>
-                  <a:spcPts val="0"/>
-                </a:spcBef>
-                <a:spcAft>
-                  <a:spcPts val="0"/>
-                </a:spcAft>
-                <a:buNone/>
-              </a:pPr>
+              <a:rPr lang="en-US" smtClean="0"/>
+              <a:pPr/>
               <a:t>‹#›</a:t>
             </a:fld>
             <a:endParaRPr lang="en-US" dirty="0"/>
@@ -7544,6 +7527,13 @@
   <p:clrMapOvr>
     <a:masterClrMapping/>
   </p:clrMapOvr>
+  <p:timing>
+    <p:tnLst>
+      <p:par>
+        <p:cTn id="1" dur="indefinite" restart="never" nodeType="tmRoot"/>
+      </p:par>
+    </p:tnLst>
+  </p:timing>
 </p:sldLayout>
 </file>
 
@@ -7604,6 +7594,11 @@
               </a:spcAft>
               <a:buSzPts val="1800"/>
               <a:buNone/>
+              <a:defRPr>
+                <a:solidFill>
+                  <a:schemeClr val="tx1"/>
+                </a:solidFill>
+              </a:defRPr>
             </a:lvl1pPr>
             <a:lvl2pPr lvl="1" algn="ctr">
               <a:lnSpc>
@@ -8345,6 +8340,13 @@
   <p:clrMapOvr>
     <a:masterClrMapping/>
   </p:clrMapOvr>
+  <p:timing>
+    <p:tnLst>
+      <p:par>
+        <p:cTn id="1" dur="indefinite" restart="never" nodeType="tmRoot"/>
+      </p:par>
+    </p:tnLst>
+  </p:timing>
 </p:sldLayout>
 </file>
 
@@ -8897,7 +8899,7 @@
               <a:buNone/>
               <a:defRPr sz="1200" b="0" i="0" u="none">
                 <a:solidFill>
-                  <a:srgbClr val="898989"/>
+                  <a:schemeClr val="tx1"/>
                 </a:solidFill>
                 <a:latin typeface="Calibri"/>
                 <a:ea typeface="Calibri"/>
@@ -9115,26 +9117,9 @@
             </a:lvl9pPr>
           </a:lstStyle>
           <a:p>
-            <a:pPr marL="0" lvl="0" indent="0" algn="r" rtl="0">
-              <a:spcBef>
-                <a:spcPts val="0"/>
-              </a:spcBef>
-              <a:spcAft>
-                <a:spcPts val="0"/>
-              </a:spcAft>
-              <a:buNone/>
-            </a:pPr>
             <a:fld id="{00000000-1234-1234-1234-123412341234}" type="slidenum">
-              <a:rPr lang="en-US"/>
-              <a:pPr marL="0" lvl="0" indent="0" algn="r" rtl="0">
-                <a:spcBef>
-                  <a:spcPts val="0"/>
-                </a:spcBef>
-                <a:spcAft>
-                  <a:spcPts val="0"/>
-                </a:spcAft>
-                <a:buNone/>
-              </a:pPr>
+              <a:rPr lang="en-US" smtClean="0"/>
+              <a:pPr/>
               <a:t>‹#›</a:t>
             </a:fld>
             <a:endParaRPr lang="en-US" dirty="0"/>
@@ -9146,6 +9131,13 @@
   <p:clrMapOvr>
     <a:masterClrMapping/>
   </p:clrMapOvr>
+  <p:timing>
+    <p:tnLst>
+      <p:par>
+        <p:cTn id="1" dur="indefinite" restart="never" nodeType="tmRoot"/>
+      </p:par>
+    </p:tnLst>
+  </p:timing>
 </p:sldLayout>
 </file>
 
@@ -9708,7 +9700,7 @@
               <a:buNone/>
               <a:defRPr sz="1200" b="0" i="0" u="none">
                 <a:solidFill>
-                  <a:srgbClr val="898989"/>
+                  <a:schemeClr val="tx1"/>
                 </a:solidFill>
                 <a:latin typeface="Calibri"/>
                 <a:ea typeface="Calibri"/>
@@ -9926,26 +9918,9 @@
             </a:lvl9pPr>
           </a:lstStyle>
           <a:p>
-            <a:pPr marL="0" lvl="0" indent="0" algn="r" rtl="0">
-              <a:spcBef>
-                <a:spcPts val="0"/>
-              </a:spcBef>
-              <a:spcAft>
-                <a:spcPts val="0"/>
-              </a:spcAft>
-              <a:buNone/>
-            </a:pPr>
             <a:fld id="{00000000-1234-1234-1234-123412341234}" type="slidenum">
-              <a:rPr lang="en-US"/>
-              <a:pPr marL="0" lvl="0" indent="0" algn="r" rtl="0">
-                <a:spcBef>
-                  <a:spcPts val="0"/>
-                </a:spcBef>
-                <a:spcAft>
-                  <a:spcPts val="0"/>
-                </a:spcAft>
-                <a:buNone/>
-              </a:pPr>
+              <a:rPr lang="en-US" smtClean="0"/>
+              <a:pPr/>
               <a:t>‹#›</a:t>
             </a:fld>
             <a:endParaRPr lang="en-US" dirty="0"/>
@@ -9957,6 +9932,13 @@
   <p:clrMapOvr>
     <a:masterClrMapping/>
   </p:clrMapOvr>
+  <p:timing>
+    <p:tnLst>
+      <p:par>
+        <p:cTn id="1" dur="indefinite" restart="never" nodeType="tmRoot"/>
+      </p:par>
+    </p:tnLst>
+  </p:timing>
 </p:sldLayout>
 </file>
 
@@ -10648,7 +10630,7 @@
               <a:buNone/>
               <a:defRPr sz="1200" b="0" i="0" u="none">
                 <a:solidFill>
-                  <a:srgbClr val="898989"/>
+                  <a:schemeClr val="tx1"/>
                 </a:solidFill>
                 <a:latin typeface="Calibri"/>
                 <a:ea typeface="Calibri"/>
@@ -10866,26 +10848,9 @@
             </a:lvl9pPr>
           </a:lstStyle>
           <a:p>
-            <a:pPr marL="0" lvl="0" indent="0" algn="r" rtl="0">
-              <a:spcBef>
-                <a:spcPts val="0"/>
-              </a:spcBef>
-              <a:spcAft>
-                <a:spcPts val="0"/>
-              </a:spcAft>
-              <a:buNone/>
-            </a:pPr>
             <a:fld id="{00000000-1234-1234-1234-123412341234}" type="slidenum">
-              <a:rPr lang="en-US"/>
-              <a:pPr marL="0" lvl="0" indent="0" algn="r" rtl="0">
-                <a:spcBef>
-                  <a:spcPts val="0"/>
-                </a:spcBef>
-                <a:spcAft>
-                  <a:spcPts val="0"/>
-                </a:spcAft>
-                <a:buNone/>
-              </a:pPr>
+              <a:rPr lang="en-US" smtClean="0"/>
+              <a:pPr/>
               <a:t>‹#›</a:t>
             </a:fld>
             <a:endParaRPr lang="en-US" dirty="0"/>
@@ -10897,6 +10862,13 @@
   <p:clrMapOvr>
     <a:masterClrMapping/>
   </p:clrMapOvr>
+  <p:timing>
+    <p:tnLst>
+      <p:par>
+        <p:cTn id="1" dur="indefinite" restart="never" nodeType="tmRoot"/>
+      </p:par>
+    </p:tnLst>
+  </p:timing>
 </p:sldLayout>
 </file>
 
@@ -11884,7 +11856,7 @@
               <a:buNone/>
               <a:defRPr sz="1200" b="0" i="0" u="none">
                 <a:solidFill>
-                  <a:srgbClr val="898989"/>
+                  <a:schemeClr val="tx1"/>
                 </a:solidFill>
                 <a:latin typeface="Calibri"/>
                 <a:ea typeface="Calibri"/>
@@ -12102,26 +12074,9 @@
             </a:lvl9pPr>
           </a:lstStyle>
           <a:p>
-            <a:pPr marL="0" lvl="0" indent="0" algn="r" rtl="0">
-              <a:spcBef>
-                <a:spcPts val="0"/>
-              </a:spcBef>
-              <a:spcAft>
-                <a:spcPts val="0"/>
-              </a:spcAft>
-              <a:buNone/>
-            </a:pPr>
             <a:fld id="{00000000-1234-1234-1234-123412341234}" type="slidenum">
-              <a:rPr lang="en-US"/>
-              <a:pPr marL="0" lvl="0" indent="0" algn="r" rtl="0">
-                <a:spcBef>
-                  <a:spcPts val="0"/>
-                </a:spcBef>
-                <a:spcAft>
-                  <a:spcPts val="0"/>
-                </a:spcAft>
-                <a:buNone/>
-              </a:pPr>
+              <a:rPr lang="en-US" smtClean="0"/>
+              <a:pPr/>
               <a:t>‹#›</a:t>
             </a:fld>
             <a:endParaRPr lang="en-US" dirty="0"/>
@@ -12133,6 +12088,13 @@
   <p:clrMapOvr>
     <a:masterClrMapping/>
   </p:clrMapOvr>
+  <p:timing>
+    <p:tnLst>
+      <p:par>
+        <p:cTn id="1" dur="indefinite" restart="never" nodeType="tmRoot"/>
+      </p:par>
+    </p:tnLst>
+  </p:timing>
 </p:sldLayout>
 </file>
 
@@ -12546,7 +12508,7 @@
               <a:buNone/>
               <a:defRPr sz="1200" b="0" i="0" u="none">
                 <a:solidFill>
-                  <a:srgbClr val="898989"/>
+                  <a:schemeClr val="tx1"/>
                 </a:solidFill>
                 <a:latin typeface="Calibri"/>
                 <a:ea typeface="Calibri"/>
@@ -12764,26 +12726,9 @@
             </a:lvl9pPr>
           </a:lstStyle>
           <a:p>
-            <a:pPr marL="0" lvl="0" indent="0" algn="r" rtl="0">
-              <a:spcBef>
-                <a:spcPts val="0"/>
-              </a:spcBef>
-              <a:spcAft>
-                <a:spcPts val="0"/>
-              </a:spcAft>
-              <a:buNone/>
-            </a:pPr>
             <a:fld id="{00000000-1234-1234-1234-123412341234}" type="slidenum">
-              <a:rPr lang="en-US"/>
-              <a:pPr marL="0" lvl="0" indent="0" algn="r" rtl="0">
-                <a:spcBef>
-                  <a:spcPts val="0"/>
-                </a:spcBef>
-                <a:spcAft>
-                  <a:spcPts val="0"/>
-                </a:spcAft>
-                <a:buNone/>
-              </a:pPr>
+              <a:rPr lang="en-US" smtClean="0"/>
+              <a:pPr/>
               <a:t>‹#›</a:t>
             </a:fld>
             <a:endParaRPr lang="en-US" dirty="0"/>
@@ -12795,6 +12740,13 @@
   <p:clrMapOvr>
     <a:masterClrMapping/>
   </p:clrMapOvr>
+  <p:timing>
+    <p:tnLst>
+      <p:par>
+        <p:cTn id="1" dur="indefinite" restart="never" nodeType="tmRoot"/>
+      </p:par>
+    </p:tnLst>
+  </p:timing>
 </p:sldLayout>
 </file>
 
@@ -13505,7 +13457,7 @@
               <a:buNone/>
               <a:defRPr sz="1200" b="0" i="0" u="none">
                 <a:solidFill>
-                  <a:srgbClr val="898989"/>
+                  <a:schemeClr val="tx1"/>
                 </a:solidFill>
                 <a:latin typeface="Calibri"/>
                 <a:ea typeface="Calibri"/>
@@ -13723,26 +13675,9 @@
             </a:lvl9pPr>
           </a:lstStyle>
           <a:p>
-            <a:pPr marL="0" lvl="0" indent="0" algn="r" rtl="0">
-              <a:spcBef>
-                <a:spcPts val="0"/>
-              </a:spcBef>
-              <a:spcAft>
-                <a:spcPts val="0"/>
-              </a:spcAft>
-              <a:buNone/>
-            </a:pPr>
             <a:fld id="{00000000-1234-1234-1234-123412341234}" type="slidenum">
-              <a:rPr lang="en-US"/>
-              <a:pPr marL="0" lvl="0" indent="0" algn="r" rtl="0">
-                <a:spcBef>
-                  <a:spcPts val="0"/>
-                </a:spcBef>
-                <a:spcAft>
-                  <a:spcPts val="0"/>
-                </a:spcAft>
-                <a:buNone/>
-              </a:pPr>
+              <a:rPr lang="en-US" smtClean="0"/>
+              <a:pPr/>
               <a:t>‹#›</a:t>
             </a:fld>
             <a:endParaRPr lang="en-US" dirty="0"/>
@@ -13754,6 +13689,13 @@
   <p:clrMapOvr>
     <a:masterClrMapping/>
   </p:clrMapOvr>
+  <p:timing>
+    <p:tnLst>
+      <p:par>
+        <p:cTn id="1" dur="indefinite" restart="never" nodeType="tmRoot"/>
+      </p:par>
+    </p:tnLst>
+  </p:timing>
 </p:sldLayout>
 </file>
 
@@ -14528,7 +14470,7 @@
               <a:buNone/>
               <a:defRPr sz="1200" b="0" i="0" u="none">
                 <a:solidFill>
-                  <a:srgbClr val="898989"/>
+                  <a:schemeClr val="tx1"/>
                 </a:solidFill>
                 <a:latin typeface="Calibri"/>
                 <a:ea typeface="Calibri"/>
@@ -14746,26 +14688,9 @@
             </a:lvl9pPr>
           </a:lstStyle>
           <a:p>
-            <a:pPr marL="0" lvl="0" indent="0" algn="r" rtl="0">
-              <a:spcBef>
-                <a:spcPts val="0"/>
-              </a:spcBef>
-              <a:spcAft>
-                <a:spcPts val="0"/>
-              </a:spcAft>
-              <a:buNone/>
-            </a:pPr>
             <a:fld id="{00000000-1234-1234-1234-123412341234}" type="slidenum">
-              <a:rPr lang="en-US"/>
-              <a:pPr marL="0" lvl="0" indent="0" algn="r" rtl="0">
-                <a:spcBef>
-                  <a:spcPts val="0"/>
-                </a:spcBef>
-                <a:spcAft>
-                  <a:spcPts val="0"/>
-                </a:spcAft>
-                <a:buNone/>
-              </a:pPr>
+              <a:rPr lang="en-US" smtClean="0"/>
+              <a:pPr/>
               <a:t>‹#›</a:t>
             </a:fld>
             <a:endParaRPr lang="en-US" dirty="0"/>
@@ -14777,6 +14702,13 @@
   <p:clrMapOvr>
     <a:masterClrMapping/>
   </p:clrMapOvr>
+  <p:timing>
+    <p:tnLst>
+      <p:par>
+        <p:cTn id="1" dur="indefinite" restart="never" nodeType="tmRoot"/>
+      </p:par>
+    </p:tnLst>
+  </p:timing>
 </p:sldLayout>
 </file>
 
@@ -15329,7 +15261,7 @@
               <a:buNone/>
               <a:defRPr sz="1200" b="0" i="0" u="none">
                 <a:solidFill>
-                  <a:srgbClr val="898989"/>
+                  <a:schemeClr val="tx1"/>
                 </a:solidFill>
                 <a:latin typeface="Calibri"/>
                 <a:ea typeface="Calibri"/>
@@ -15547,26 +15479,9 @@
             </a:lvl9pPr>
           </a:lstStyle>
           <a:p>
-            <a:pPr marL="0" lvl="0" indent="0" algn="r" rtl="0">
-              <a:spcBef>
-                <a:spcPts val="0"/>
-              </a:spcBef>
-              <a:spcAft>
-                <a:spcPts val="0"/>
-              </a:spcAft>
-              <a:buNone/>
-            </a:pPr>
             <a:fld id="{00000000-1234-1234-1234-123412341234}" type="slidenum">
-              <a:rPr lang="en-US"/>
-              <a:pPr marL="0" lvl="0" indent="0" algn="r" rtl="0">
-                <a:spcBef>
-                  <a:spcPts val="0"/>
-                </a:spcBef>
-                <a:spcAft>
-                  <a:spcPts val="0"/>
-                </a:spcAft>
-                <a:buNone/>
-              </a:pPr>
+              <a:rPr lang="en-US" smtClean="0"/>
+              <a:pPr/>
               <a:t>‹#›</a:t>
             </a:fld>
             <a:endParaRPr lang="en-US" dirty="0"/>
@@ -15578,6 +15493,13 @@
   <p:clrMapOvr>
     <a:masterClrMapping/>
   </p:clrMapOvr>
+  <p:timing>
+    <p:tnLst>
+      <p:par>
+        <p:cTn id="1" dur="indefinite" restart="never" nodeType="tmRoot"/>
+      </p:par>
+    </p:tnLst>
+  </p:timing>
 </p:sldLayout>
 </file>
 
@@ -17905,7 +17827,7 @@
               </a:pPr>
               <a:t>1</a:t>
             </a:fld>
-            <a:endParaRPr sz="1200" b="0" i="0" u="none">
+            <a:endParaRPr sz="1200" b="0" i="0" u="none" dirty="0">
               <a:solidFill>
                 <a:srgbClr val="898989"/>
               </a:solidFill>
@@ -18030,10 +17952,10 @@
           <a:lstStyle/>
           <a:p>
             <a:r>
-              <a:rPr lang="en-US" smtClean="0"/>
+              <a:rPr lang="en-US" dirty="0" smtClean="0"/>
               <a:t>18/11/2019</a:t>
             </a:r>
-            <a:endParaRPr lang="en-US"/>
+            <a:endParaRPr lang="en-US" dirty="0"/>
           </a:p>
         </p:txBody>
       </p:sp>
@@ -22481,11 +22403,7 @@
             </a:pPr>
             <a:r>
               <a:rPr lang="en-US" dirty="0" smtClean="0"/>
-              <a:t>CPU </a:t>
-            </a:r>
-            <a:r>
-              <a:rPr lang="en-US" dirty="0" smtClean="0"/>
-              <a:t>with </a:t>
+              <a:t>CPU with </a:t>
             </a:r>
             <a:r>
               <a:rPr lang="en-US" dirty="0" err="1" smtClean="0"/>
@@ -22493,11 +22411,7 @@
             </a:r>
             <a:r>
               <a:rPr lang="en-US" dirty="0" smtClean="0"/>
-              <a:t> </a:t>
-            </a:r>
-            <a:r>
-              <a:rPr lang="en-US" dirty="0" smtClean="0"/>
-              <a:t>i7 processor 16 GB RAM</a:t>
+              <a:t> i7 processor 16 GB RAM</a:t>
             </a:r>
           </a:p>
           <a:p>
@@ -22798,6 +22712,17 @@
             </a:r>
           </a:p>
           <a:p>
+            <a:pPr marL="742950" indent="-514350">
+              <a:buFont typeface="+mj-lt"/>
+              <a:buAutoNum type="arabicPeriod"/>
+            </a:pPr>
+            <a:r>
+              <a:rPr lang="en-US" dirty="0" smtClean="0"/>
+              <a:t>MySQL database</a:t>
+            </a:r>
+            <a:endParaRPr lang="en-US" dirty="0" smtClean="0"/>
+          </a:p>
+          <a:p>
             <a:endParaRPr lang="en-US" dirty="0" smtClean="0"/>
           </a:p>
         </p:txBody>
@@ -23102,7 +23027,7 @@
                   <a:schemeClr val="tx1"/>
                 </a:solidFill>
               </a:rPr>
-              <a:t>Module 1</a:t>
+              <a:t>Module 1-Admin Interface</a:t>
             </a:r>
             <a:endParaRPr lang="en-US" dirty="0">
               <a:solidFill>
@@ -23121,7 +23046,7 @@
                   <a:schemeClr val="tx1"/>
                 </a:solidFill>
               </a:rPr>
-              <a:t>Evaluator as super user logins to the system</a:t>
+              <a:t>Super user logins to the system</a:t>
             </a:r>
           </a:p>
           <a:p>
@@ -23135,30 +23060,24 @@
                   <a:schemeClr val="tx1"/>
                 </a:solidFill>
               </a:rPr>
-              <a:t>Accesses the answer key stored in database</a:t>
-            </a:r>
-            <a:endParaRPr lang="en-US" dirty="0">
-              <a:solidFill>
-                <a:schemeClr val="tx1"/>
-              </a:solidFill>
-            </a:endParaRPr>
-          </a:p>
-          <a:p>
-            <a:pPr marL="742950" indent="-514350">
-              <a:buFont typeface="+mj-lt"/>
-              <a:buAutoNum type="arabicPeriod"/>
-            </a:pPr>
+              <a:t>Uploads </a:t>
+            </a:r>
+            <a:r>
+              <a:rPr lang="en-US" dirty="0">
+                <a:solidFill>
+                  <a:schemeClr val="tx1"/>
+                </a:solidFill>
+              </a:rPr>
+              <a:t>the </a:t>
+            </a:r>
             <a:r>
               <a:rPr lang="en-US" dirty="0" smtClean="0">
                 <a:solidFill>
                   <a:schemeClr val="tx1"/>
                 </a:solidFill>
               </a:rPr>
-              <a:t>Answer sheet of student is scanned</a:t>
-            </a:r>
-          </a:p>
-          <a:p>
-            <a:pPr marL="742950" indent="-514350"/>
+              <a:t>answer paper and answer key in database</a:t>
+            </a:r>
             <a:endParaRPr lang="en-US" dirty="0">
               <a:solidFill>
                 <a:schemeClr val="tx1"/>
@@ -23183,10 +23102,10 @@
           <a:lstStyle/>
           <a:p>
             <a:r>
-              <a:rPr lang="en-US" smtClean="0"/>
+              <a:rPr lang="en-US" dirty="0" smtClean="0"/>
               <a:t>18/11/2019</a:t>
             </a:r>
-            <a:endParaRPr lang="en-US"/>
+            <a:endParaRPr lang="en-US" dirty="0"/>
           </a:p>
         </p:txBody>
       </p:sp>
@@ -23723,7 +23642,7 @@
               </a:pPr>
               <a:t>2</a:t>
             </a:fld>
-            <a:endParaRPr sz="1200" b="0" i="0" u="none">
+            <a:endParaRPr sz="1200" b="0" i="0" u="none" dirty="0">
               <a:solidFill>
                 <a:srgbClr val="898989"/>
               </a:solidFill>
@@ -23810,10 +23729,10 @@
           <a:lstStyle/>
           <a:p>
             <a:r>
-              <a:rPr lang="en-US" smtClean="0"/>
+              <a:rPr lang="en-US" dirty="0" smtClean="0"/>
               <a:t>18/11/2019</a:t>
             </a:r>
-            <a:endParaRPr lang="en-US"/>
+            <a:endParaRPr lang="en-US" dirty="0"/>
           </a:p>
         </p:txBody>
       </p:sp>
@@ -23995,7 +23914,7 @@
           <a:p>
             <a:r>
               <a:rPr lang="en-US" b="1" dirty="0" smtClean="0"/>
-              <a:t>Module 2</a:t>
+              <a:t>Module 2- Preprocessing and Feature            extraction</a:t>
             </a:r>
           </a:p>
           <a:p>
@@ -24003,10 +23922,7 @@
               <a:buFont typeface="+mj-lt"/>
               <a:buAutoNum type="arabicPeriod"/>
             </a:pPr>
-            <a:r>
-              <a:rPr lang="en-US" dirty="0" smtClean="0"/>
-              <a:t>Preprocessing of answer sheet is performed</a:t>
-            </a:r>
+            <a:endParaRPr lang="en-US" dirty="0" smtClean="0"/>
           </a:p>
           <a:p>
             <a:pPr marL="742950" indent="-514350">
@@ -24015,7 +23931,17 @@
             </a:pPr>
             <a:r>
               <a:rPr lang="en-US" dirty="0" smtClean="0"/>
-              <a:t>Features of answer sheet are extracted</a:t>
+              <a:t>Preprocessing of answer sheet is performed</a:t>
+            </a:r>
+          </a:p>
+          <a:p>
+            <a:pPr marL="742950" indent="-514350">
+              <a:buFont typeface="+mj-lt"/>
+              <a:buAutoNum type="arabicPeriod"/>
+            </a:pPr>
+            <a:r>
+              <a:rPr lang="en-US" dirty="0" smtClean="0"/>
+              <a:t>Only required features are extracted from answer sheet</a:t>
             </a:r>
           </a:p>
           <a:p>
@@ -24047,10 +23973,10 @@
           <a:lstStyle/>
           <a:p>
             <a:r>
-              <a:rPr lang="en-US" smtClean="0"/>
+              <a:rPr lang="en-US" dirty="0" smtClean="0"/>
               <a:t>18/11/2019</a:t>
             </a:r>
-            <a:endParaRPr lang="en-US"/>
+            <a:endParaRPr lang="en-US" dirty="0"/>
           </a:p>
         </p:txBody>
       </p:sp>
@@ -24263,8 +24189,13 @@
           <a:p>
             <a:r>
               <a:rPr lang="en-US" b="1" dirty="0" smtClean="0"/>
-              <a:t>Module 3</a:t>
-            </a:r>
+              <a:t>Module </a:t>
+            </a:r>
+            <a:r>
+              <a:rPr lang="en-US" b="1" dirty="0" smtClean="0"/>
+              <a:t>3-Evaluation</a:t>
+            </a:r>
+            <a:endParaRPr lang="en-US" b="1" dirty="0" smtClean="0"/>
           </a:p>
           <a:p>
             <a:pPr marL="742950" indent="-514350">
@@ -24282,8 +24213,16 @@
               <a:buAutoNum type="arabicPeriod"/>
             </a:pPr>
             <a:r>
+              <a:rPr lang="en-US" smtClean="0"/>
+              <a:t>Ev</a:t>
+            </a:r>
+            <a:r>
+              <a:rPr lang="en-US" smtClean="0"/>
+              <a:t>aluation </a:t>
+            </a:r>
+            <a:r>
               <a:rPr lang="en-US" dirty="0" smtClean="0"/>
-              <a:t>Valuation is performed accordingly</a:t>
+              <a:t>is performed accordingly</a:t>
             </a:r>
           </a:p>
           <a:p>
@@ -24325,10 +24264,10 @@
           <a:lstStyle/>
           <a:p>
             <a:r>
-              <a:rPr lang="en-US" smtClean="0"/>
+              <a:rPr lang="en-US" dirty="0" smtClean="0"/>
               <a:t>18/11/2019</a:t>
             </a:r>
-            <a:endParaRPr lang="en-US"/>
+            <a:endParaRPr lang="en-US" dirty="0"/>
           </a:p>
         </p:txBody>
       </p:sp>
@@ -24854,72 +24793,6 @@
       </p:sp>
       <p:sp>
         <p:nvSpPr>
-          <p:cNvPr id="47" name="Google Shape;123;p16"/>
-          <p:cNvSpPr txBox="1"/>
-          <p:nvPr/>
-        </p:nvSpPr>
-        <p:spPr>
-          <a:xfrm>
-            <a:off x="6553200" y="6356350"/>
-            <a:ext cx="2133600" cy="365125"/>
-          </a:xfrm>
-          <a:prstGeom prst="rect">
-            <a:avLst/>
-          </a:prstGeom>
-          <a:noFill/>
-          <a:ln>
-            <a:noFill/>
-          </a:ln>
-        </p:spPr>
-        <p:txBody>
-          <a:bodyPr spcFirstLastPara="1" wrap="square" lIns="90000" tIns="46800" rIns="90000" bIns="46800" anchor="ctr" anchorCtr="0">
-            <a:noAutofit/>
-          </a:bodyPr>
-          <a:lstStyle/>
-          <a:p>
-            <a:pPr marL="0" marR="0" lvl="0" indent="0" algn="r" rtl="0">
-              <a:lnSpc>
-                <a:spcPct val="100000"/>
-              </a:lnSpc>
-              <a:spcBef>
-                <a:spcPts val="0"/>
-              </a:spcBef>
-              <a:spcAft>
-                <a:spcPts val="0"/>
-              </a:spcAft>
-              <a:buClr>
-                <a:srgbClr val="000000"/>
-              </a:buClr>
-              <a:buSzPts val="1200"/>
-              <a:buFont typeface="Times New Roman"/>
-              <a:buNone/>
-            </a:pPr>
-            <a:r>
-              <a:rPr lang="en-US" sz="1200" b="0" i="0" u="none" dirty="0" smtClean="0">
-                <a:solidFill>
-                  <a:srgbClr val="898989"/>
-                </a:solidFill>
-                <a:latin typeface="Calibri"/>
-                <a:ea typeface="Calibri"/>
-                <a:cs typeface="Calibri"/>
-                <a:sym typeface="Calibri"/>
-              </a:rPr>
-              <a:t>17</a:t>
-            </a:r>
-            <a:endParaRPr sz="1200" b="0" i="0" u="none" dirty="0">
-              <a:solidFill>
-                <a:srgbClr val="898989"/>
-              </a:solidFill>
-              <a:latin typeface="Calibri"/>
-              <a:ea typeface="Calibri"/>
-              <a:cs typeface="Calibri"/>
-              <a:sym typeface="Calibri"/>
-            </a:endParaRPr>
-          </a:p>
-        </p:txBody>
-      </p:sp>
-      <p:sp>
-        <p:nvSpPr>
           <p:cNvPr id="48" name="Google Shape;124;p16"/>
           <p:cNvSpPr/>
           <p:nvPr/>
@@ -25378,20 +25251,20 @@
               <a:buNone/>
             </a:pPr>
             <a:r>
-              <a:rPr lang="en-US" sz="1200" b="0" i="0" u="none" dirty="0" smtClean="0">
-                <a:solidFill>
-                  <a:srgbClr val="898989"/>
+              <a:rPr lang="en-US" sz="1200" dirty="0" smtClean="0">
+                <a:solidFill>
+                  <a:schemeClr val="tx1"/>
                 </a:solidFill>
                 <a:latin typeface="Calibri"/>
                 <a:ea typeface="Calibri"/>
                 <a:cs typeface="Calibri"/>
                 <a:sym typeface="Calibri"/>
               </a:rPr>
-              <a:t>17</a:t>
+              <a:t>23</a:t>
             </a:r>
             <a:endParaRPr sz="1200" b="0" i="0" u="none" dirty="0">
               <a:solidFill>
-                <a:srgbClr val="898989"/>
+                <a:schemeClr val="tx1"/>
               </a:solidFill>
               <a:latin typeface="Calibri"/>
               <a:ea typeface="Calibri"/>
@@ -25478,7 +25351,7 @@
         </p:nvCxnSpPr>
         <p:spPr>
           <a:xfrm>
-            <a:off x="6390245" y="3765115"/>
+            <a:off x="6390245" y="3565944"/>
             <a:ext cx="0" cy="820740"/>
           </a:xfrm>
           <a:prstGeom prst="line">
@@ -25513,7 +25386,7 @@
         </p:nvCxnSpPr>
         <p:spPr>
           <a:xfrm>
-            <a:off x="6390245" y="4544292"/>
+            <a:off x="6390245" y="4345121"/>
             <a:ext cx="1524000" cy="0"/>
           </a:xfrm>
           <a:prstGeom prst="line">
@@ -25548,7 +25421,7 @@
         </p:nvCxnSpPr>
         <p:spPr>
           <a:xfrm>
-            <a:off x="6404095" y="3837682"/>
+            <a:off x="6390245" y="3565944"/>
             <a:ext cx="1524000" cy="0"/>
           </a:xfrm>
           <a:prstGeom prst="line">
@@ -25583,8 +25456,8 @@
         </p:nvCxnSpPr>
         <p:spPr>
           <a:xfrm>
-            <a:off x="6677891" y="3837682"/>
-            <a:ext cx="0" cy="748173"/>
+            <a:off x="6645244" y="3539897"/>
+            <a:ext cx="32647" cy="846787"/>
           </a:xfrm>
           <a:prstGeom prst="line">
             <a:avLst/>
@@ -25618,7 +25491,7 @@
         </p:nvSpPr>
         <p:spPr>
           <a:xfrm>
-            <a:off x="6708885" y="3926095"/>
+            <a:off x="6708885" y="3726924"/>
             <a:ext cx="1289135" cy="523220"/>
           </a:xfrm>
           <a:prstGeom prst="rect">
@@ -25662,50 +25535,9 @@
           <a:lstStyle/>
           <a:p>
             <a:r>
-              <a:rPr lang="en-US" smtClean="0"/>
+              <a:rPr lang="en-US" dirty="0" smtClean="0"/>
               <a:t>18/11/2019</a:t>
             </a:r>
-            <a:endParaRPr lang="en-US"/>
-          </a:p>
-        </p:txBody>
-      </p:sp>
-      <p:sp>
-        <p:nvSpPr>
-          <p:cNvPr id="22" name="Slide Number Placeholder 21"/>
-          <p:cNvSpPr>
-            <a:spLocks noGrp="1"/>
-          </p:cNvSpPr>
-          <p:nvPr>
-            <p:ph type="sldNum" idx="12"/>
-          </p:nvPr>
-        </p:nvSpPr>
-        <p:spPr/>
-        <p:txBody>
-          <a:bodyPr/>
-          <a:lstStyle/>
-          <a:p>
-            <a:pPr marL="0" lvl="0" indent="0" algn="r" rtl="0">
-              <a:spcBef>
-                <a:spcPts val="0"/>
-              </a:spcBef>
-              <a:spcAft>
-                <a:spcPts val="0"/>
-              </a:spcAft>
-              <a:buNone/>
-            </a:pPr>
-            <a:fld id="{00000000-1234-1234-1234-123412341234}" type="slidenum">
-              <a:rPr lang="en-US" smtClean="0"/>
-              <a:pPr marL="0" lvl="0" indent="0" algn="r" rtl="0">
-                <a:spcBef>
-                  <a:spcPts val="0"/>
-                </a:spcBef>
-                <a:spcAft>
-                  <a:spcPts val="0"/>
-                </a:spcAft>
-                <a:buNone/>
-              </a:pPr>
-              <a:t>23</a:t>
-            </a:fld>
             <a:endParaRPr lang="en-US" dirty="0"/>
           </a:p>
         </p:txBody>
@@ -25957,72 +25789,6 @@
       </p:sp>
       <p:sp>
         <p:nvSpPr>
-          <p:cNvPr id="47" name="Google Shape;123;p16"/>
-          <p:cNvSpPr txBox="1"/>
-          <p:nvPr/>
-        </p:nvSpPr>
-        <p:spPr>
-          <a:xfrm>
-            <a:off x="6553200" y="6356350"/>
-            <a:ext cx="2133600" cy="365125"/>
-          </a:xfrm>
-          <a:prstGeom prst="rect">
-            <a:avLst/>
-          </a:prstGeom>
-          <a:noFill/>
-          <a:ln>
-            <a:noFill/>
-          </a:ln>
-        </p:spPr>
-        <p:txBody>
-          <a:bodyPr spcFirstLastPara="1" wrap="square" lIns="90000" tIns="46800" rIns="90000" bIns="46800" anchor="ctr" anchorCtr="0">
-            <a:noAutofit/>
-          </a:bodyPr>
-          <a:lstStyle/>
-          <a:p>
-            <a:pPr marL="0" marR="0" lvl="0" indent="0" algn="r" rtl="0">
-              <a:lnSpc>
-                <a:spcPct val="100000"/>
-              </a:lnSpc>
-              <a:spcBef>
-                <a:spcPts val="0"/>
-              </a:spcBef>
-              <a:spcAft>
-                <a:spcPts val="0"/>
-              </a:spcAft>
-              <a:buClr>
-                <a:srgbClr val="000000"/>
-              </a:buClr>
-              <a:buSzPts val="1200"/>
-              <a:buFont typeface="Times New Roman"/>
-              <a:buNone/>
-            </a:pPr>
-            <a:r>
-              <a:rPr lang="en-US" sz="1200" b="0" i="0" u="none" dirty="0" smtClean="0">
-                <a:solidFill>
-                  <a:srgbClr val="898989"/>
-                </a:solidFill>
-                <a:latin typeface="Calibri"/>
-                <a:ea typeface="Calibri"/>
-                <a:cs typeface="Calibri"/>
-                <a:sym typeface="Calibri"/>
-              </a:rPr>
-              <a:t>18</a:t>
-            </a:r>
-            <a:endParaRPr sz="1200" b="0" i="0" u="none" dirty="0">
-              <a:solidFill>
-                <a:srgbClr val="898989"/>
-              </a:solidFill>
-              <a:latin typeface="Calibri"/>
-              <a:ea typeface="Calibri"/>
-              <a:cs typeface="Calibri"/>
-              <a:sym typeface="Calibri"/>
-            </a:endParaRPr>
-          </a:p>
-        </p:txBody>
-      </p:sp>
-      <p:sp>
-        <p:nvSpPr>
           <p:cNvPr id="48" name="Google Shape;124;p16"/>
           <p:cNvSpPr/>
           <p:nvPr/>
@@ -26268,7 +26034,7 @@
         </p:nvCxnSpPr>
         <p:spPr>
           <a:xfrm>
-            <a:off x="1028355" y="4322607"/>
+            <a:off x="919719" y="4295448"/>
             <a:ext cx="1524000" cy="0"/>
           </a:xfrm>
           <a:prstGeom prst="line">
@@ -26303,7 +26069,7 @@
         </p:nvCxnSpPr>
         <p:spPr>
           <a:xfrm>
-            <a:off x="1316001" y="3615997"/>
+            <a:off x="1225471" y="3597891"/>
             <a:ext cx="0" cy="748173"/>
           </a:xfrm>
           <a:prstGeom prst="line">
@@ -26338,7 +26104,7 @@
         </p:nvSpPr>
         <p:spPr>
           <a:xfrm>
-            <a:off x="1346995" y="3829105"/>
+            <a:off x="1156878" y="3801946"/>
             <a:ext cx="1289135" cy="307777"/>
           </a:xfrm>
           <a:prstGeom prst="rect">
@@ -26368,7 +26134,7 @@
         </p:nvCxnSpPr>
         <p:spPr>
           <a:xfrm>
-            <a:off x="1042205" y="3543430"/>
+            <a:off x="933569" y="3516271"/>
             <a:ext cx="0" cy="820740"/>
           </a:xfrm>
           <a:prstGeom prst="line">
@@ -26403,7 +26169,7 @@
         </p:nvCxnSpPr>
         <p:spPr>
           <a:xfrm>
-            <a:off x="1056055" y="3615997"/>
+            <a:off x="947419" y="3588838"/>
             <a:ext cx="1524000" cy="0"/>
           </a:xfrm>
           <a:prstGeom prst="line">
@@ -26446,10 +26212,10 @@
           <a:lstStyle/>
           <a:p>
             <a:r>
-              <a:rPr lang="en-US" smtClean="0"/>
+              <a:rPr lang="en-US" dirty="0" smtClean="0"/>
               <a:t>18/11/2019</a:t>
             </a:r>
-            <a:endParaRPr lang="en-US"/>
+            <a:endParaRPr lang="en-US" dirty="0"/>
           </a:p>
         </p:txBody>
       </p:sp>
@@ -26736,72 +26502,6 @@
               <a:t>Valuation</a:t>
             </a:r>
             <a:endParaRPr lang="en-IN" dirty="0"/>
-          </a:p>
-        </p:txBody>
-      </p:sp>
-      <p:sp>
-        <p:nvSpPr>
-          <p:cNvPr id="47" name="Google Shape;123;p16"/>
-          <p:cNvSpPr txBox="1"/>
-          <p:nvPr/>
-        </p:nvSpPr>
-        <p:spPr>
-          <a:xfrm>
-            <a:off x="6553200" y="6356350"/>
-            <a:ext cx="2133600" cy="365125"/>
-          </a:xfrm>
-          <a:prstGeom prst="rect">
-            <a:avLst/>
-          </a:prstGeom>
-          <a:noFill/>
-          <a:ln>
-            <a:noFill/>
-          </a:ln>
-        </p:spPr>
-        <p:txBody>
-          <a:bodyPr spcFirstLastPara="1" wrap="square" lIns="90000" tIns="46800" rIns="90000" bIns="46800" anchor="ctr" anchorCtr="0">
-            <a:noAutofit/>
-          </a:bodyPr>
-          <a:lstStyle/>
-          <a:p>
-            <a:pPr marL="0" marR="0" lvl="0" indent="0" algn="r" rtl="0">
-              <a:lnSpc>
-                <a:spcPct val="100000"/>
-              </a:lnSpc>
-              <a:spcBef>
-                <a:spcPts val="0"/>
-              </a:spcBef>
-              <a:spcAft>
-                <a:spcPts val="0"/>
-              </a:spcAft>
-              <a:buClr>
-                <a:srgbClr val="000000"/>
-              </a:buClr>
-              <a:buSzPts val="1200"/>
-              <a:buFont typeface="Times New Roman"/>
-              <a:buNone/>
-            </a:pPr>
-            <a:r>
-              <a:rPr lang="en-US" sz="1200" b="0" i="0" u="none" dirty="0" smtClean="0">
-                <a:solidFill>
-                  <a:srgbClr val="898989"/>
-                </a:solidFill>
-                <a:latin typeface="Calibri"/>
-                <a:ea typeface="Calibri"/>
-                <a:cs typeface="Calibri"/>
-                <a:sym typeface="Calibri"/>
-              </a:rPr>
-              <a:t>19</a:t>
-            </a:r>
-            <a:endParaRPr sz="1200" b="0" i="0" u="none" dirty="0">
-              <a:solidFill>
-                <a:srgbClr val="898989"/>
-              </a:solidFill>
-              <a:latin typeface="Calibri"/>
-              <a:ea typeface="Calibri"/>
-              <a:cs typeface="Calibri"/>
-              <a:sym typeface="Calibri"/>
-            </a:endParaRPr>
           </a:p>
         </p:txBody>
       </p:sp>
@@ -27250,7 +26950,7 @@
             <a:pPr algn="ctr"/>
             <a:r>
               <a:rPr lang="en-IN" dirty="0" smtClean="0"/>
-              <a:t>Marks</a:t>
+              <a:t>Marks/Suggestions</a:t>
             </a:r>
             <a:endParaRPr lang="en-IN" dirty="0"/>
           </a:p>
@@ -27440,7 +27140,7 @@
           <a:bodyPr/>
           <a:lstStyle/>
           <a:p>
-            <a:endParaRPr lang="en-IN"/>
+            <a:endParaRPr lang="en-IN" dirty="0"/>
           </a:p>
         </p:txBody>
       </p:sp>
@@ -27690,6 +27390,13 @@
   <p:clrMapOvr>
     <a:masterClrMapping/>
   </p:clrMapOvr>
+  <p:timing>
+    <p:tnLst>
+      <p:par>
+        <p:cTn id="1" dur="indefinite" restart="never" nodeType="tmRoot"/>
+      </p:par>
+    </p:tnLst>
+  </p:timing>
 </p:sld>
 </file>
 
@@ -27836,10 +27543,10 @@
           <a:lstStyle/>
           <a:p>
             <a:r>
-              <a:rPr lang="en-US" smtClean="0"/>
+              <a:rPr lang="en-US" dirty="0" smtClean="0"/>
               <a:t>18/11/2019</a:t>
             </a:r>
-            <a:endParaRPr lang="en-US"/>
+            <a:endParaRPr lang="en-US" dirty="0"/>
           </a:p>
         </p:txBody>
       </p:sp>
@@ -28094,10 +27801,10 @@
           <a:lstStyle/>
           <a:p>
             <a:r>
-              <a:rPr lang="en-US" smtClean="0"/>
+              <a:rPr lang="en-US" dirty="0" smtClean="0"/>
               <a:t>18/11/2019</a:t>
             </a:r>
-            <a:endParaRPr lang="en-US"/>
+            <a:endParaRPr lang="en-US" dirty="0"/>
           </a:p>
         </p:txBody>
       </p:sp>
@@ -28328,10 +28035,10 @@
           <a:lstStyle/>
           <a:p>
             <a:r>
-              <a:rPr lang="en-US" smtClean="0"/>
+              <a:rPr lang="en-US" dirty="0" smtClean="0"/>
               <a:t>18/11/2019</a:t>
             </a:r>
-            <a:endParaRPr lang="en-US"/>
+            <a:endParaRPr lang="en-US" dirty="0"/>
           </a:p>
         </p:txBody>
       </p:sp>
@@ -28920,10 +28627,10 @@
           <a:lstStyle/>
           <a:p>
             <a:r>
-              <a:rPr lang="en-US" smtClean="0"/>
+              <a:rPr lang="en-US" dirty="0" smtClean="0"/>
               <a:t>18/11/2019</a:t>
             </a:r>
-            <a:endParaRPr lang="en-US"/>
+            <a:endParaRPr lang="en-US" dirty="0"/>
           </a:p>
         </p:txBody>
       </p:sp>
@@ -29103,7 +28810,7 @@
           <a:bodyPr/>
           <a:lstStyle/>
           <a:p>
-            <a:endParaRPr lang="en-IN"/>
+            <a:endParaRPr lang="en-IN" dirty="0"/>
           </a:p>
         </p:txBody>
       </p:sp>
@@ -29123,10 +28830,10 @@
           <a:lstStyle/>
           <a:p>
             <a:r>
-              <a:rPr lang="en-US" smtClean="0"/>
+              <a:rPr lang="en-US" dirty="0" smtClean="0"/>
               <a:t>18/11/2019</a:t>
             </a:r>
-            <a:endParaRPr lang="en-US"/>
+            <a:endParaRPr lang="en-US" dirty="0"/>
           </a:p>
         </p:txBody>
       </p:sp>
@@ -29311,6 +29018,13 @@
   <p:clrMapOvr>
     <a:masterClrMapping/>
   </p:clrMapOvr>
+  <p:timing>
+    <p:tnLst>
+      <p:par>
+        <p:cTn id="1" dur="indefinite" restart="never" nodeType="tmRoot"/>
+      </p:par>
+    </p:tnLst>
+  </p:timing>
 </p:sld>
 </file>
 
@@ -29385,10 +29099,10 @@
           <a:lstStyle/>
           <a:p>
             <a:r>
-              <a:rPr lang="en-US" smtClean="0"/>
+              <a:rPr lang="en-US" dirty="0" smtClean="0"/>
               <a:t>18/11/2019</a:t>
             </a:r>
-            <a:endParaRPr lang="en-US"/>
+            <a:endParaRPr lang="en-US" dirty="0"/>
           </a:p>
         </p:txBody>
       </p:sp>
@@ -29597,6 +29311,72 @@
       </p:grpSpPr>
       <p:sp>
         <p:nvSpPr>
+          <p:cNvPr id="8" name="Google Shape;123;p16"/>
+          <p:cNvSpPr txBox="1"/>
+          <p:nvPr/>
+        </p:nvSpPr>
+        <p:spPr>
+          <a:xfrm>
+            <a:off x="6553200" y="6365403"/>
+            <a:ext cx="2133600" cy="365125"/>
+          </a:xfrm>
+          <a:prstGeom prst="rect">
+            <a:avLst/>
+          </a:prstGeom>
+          <a:noFill/>
+          <a:ln>
+            <a:noFill/>
+          </a:ln>
+        </p:spPr>
+        <p:txBody>
+          <a:bodyPr spcFirstLastPara="1" wrap="square" lIns="90000" tIns="46800" rIns="90000" bIns="46800" anchor="ctr" anchorCtr="0">
+            <a:noAutofit/>
+          </a:bodyPr>
+          <a:lstStyle/>
+          <a:p>
+            <a:pPr marL="0" marR="0" lvl="0" indent="0" algn="r" rtl="0">
+              <a:lnSpc>
+                <a:spcPct val="100000"/>
+              </a:lnSpc>
+              <a:spcBef>
+                <a:spcPts val="0"/>
+              </a:spcBef>
+              <a:spcAft>
+                <a:spcPts val="0"/>
+              </a:spcAft>
+              <a:buClr>
+                <a:srgbClr val="000000"/>
+              </a:buClr>
+              <a:buSzPts val="1200"/>
+              <a:buFont typeface="Times New Roman"/>
+              <a:buNone/>
+            </a:pPr>
+            <a:r>
+              <a:rPr lang="en-US" sz="1200" dirty="0" smtClean="0">
+                <a:solidFill>
+                  <a:schemeClr val="tx1"/>
+                </a:solidFill>
+                <a:latin typeface="Calibri"/>
+                <a:ea typeface="Calibri"/>
+                <a:cs typeface="Calibri"/>
+                <a:sym typeface="Calibri"/>
+              </a:rPr>
+              <a:t>32</a:t>
+            </a:r>
+            <a:endParaRPr sz="1200" b="0" i="0" u="none" dirty="0">
+              <a:solidFill>
+                <a:schemeClr val="tx1"/>
+              </a:solidFill>
+              <a:latin typeface="Calibri"/>
+              <a:ea typeface="Calibri"/>
+              <a:cs typeface="Calibri"/>
+              <a:sym typeface="Calibri"/>
+            </a:endParaRPr>
+          </a:p>
+        </p:txBody>
+      </p:sp>
+      <p:sp>
+        <p:nvSpPr>
           <p:cNvPr id="10" name="Date Placeholder 9"/>
           <p:cNvSpPr>
             <a:spLocks noGrp="1"/>
@@ -29946,72 +29726,6 @@
       </p:sp>
       <p:sp>
         <p:nvSpPr>
-          <p:cNvPr id="8" name="Google Shape;123;p16"/>
-          <p:cNvSpPr txBox="1"/>
-          <p:nvPr/>
-        </p:nvSpPr>
-        <p:spPr>
-          <a:xfrm>
-            <a:off x="6553200" y="6356350"/>
-            <a:ext cx="2133600" cy="365125"/>
-          </a:xfrm>
-          <a:prstGeom prst="rect">
-            <a:avLst/>
-          </a:prstGeom>
-          <a:noFill/>
-          <a:ln>
-            <a:noFill/>
-          </a:ln>
-        </p:spPr>
-        <p:txBody>
-          <a:bodyPr spcFirstLastPara="1" wrap="square" lIns="90000" tIns="46800" rIns="90000" bIns="46800" anchor="ctr" anchorCtr="0">
-            <a:noAutofit/>
-          </a:bodyPr>
-          <a:lstStyle/>
-          <a:p>
-            <a:pPr marL="0" marR="0" lvl="0" indent="0" algn="r" rtl="0">
-              <a:lnSpc>
-                <a:spcPct val="100000"/>
-              </a:lnSpc>
-              <a:spcBef>
-                <a:spcPts val="0"/>
-              </a:spcBef>
-              <a:spcAft>
-                <a:spcPts val="0"/>
-              </a:spcAft>
-              <a:buClr>
-                <a:srgbClr val="000000"/>
-              </a:buClr>
-              <a:buSzPts val="1200"/>
-              <a:buFont typeface="Times New Roman"/>
-              <a:buNone/>
-            </a:pPr>
-            <a:r>
-              <a:rPr lang="en-US" sz="1200" b="0" i="0" u="none" dirty="0" smtClean="0">
-                <a:solidFill>
-                  <a:srgbClr val="898989"/>
-                </a:solidFill>
-                <a:latin typeface="Calibri"/>
-                <a:ea typeface="Calibri"/>
-                <a:cs typeface="Calibri"/>
-                <a:sym typeface="Calibri"/>
-              </a:rPr>
-              <a:t>21</a:t>
-            </a:r>
-            <a:endParaRPr sz="1200" b="0" i="0" u="none" dirty="0">
-              <a:solidFill>
-                <a:srgbClr val="898989"/>
-              </a:solidFill>
-              <a:latin typeface="Calibri"/>
-              <a:ea typeface="Calibri"/>
-              <a:cs typeface="Calibri"/>
-              <a:sym typeface="Calibri"/>
-            </a:endParaRPr>
-          </a:p>
-        </p:txBody>
-      </p:sp>
-      <p:sp>
-        <p:nvSpPr>
           <p:cNvPr id="9" name="Google Shape;124;p16"/>
           <p:cNvSpPr/>
           <p:nvPr/>
@@ -30076,47 +29790,6 @@
               </a:rPr>
               <a:t>CSE Department, JECC</a:t>
             </a:r>
-          </a:p>
-        </p:txBody>
-      </p:sp>
-      <p:sp>
-        <p:nvSpPr>
-          <p:cNvPr id="12" name="Slide Number Placeholder 11"/>
-          <p:cNvSpPr>
-            <a:spLocks noGrp="1"/>
-          </p:cNvSpPr>
-          <p:nvPr>
-            <p:ph type="sldNum" idx="12"/>
-          </p:nvPr>
-        </p:nvSpPr>
-        <p:spPr/>
-        <p:txBody>
-          <a:bodyPr/>
-          <a:lstStyle/>
-          <a:p>
-            <a:pPr marL="0" lvl="0" indent="0" algn="r" rtl="0">
-              <a:spcBef>
-                <a:spcPts val="0"/>
-              </a:spcBef>
-              <a:spcAft>
-                <a:spcPts val="0"/>
-              </a:spcAft>
-              <a:buNone/>
-            </a:pPr>
-            <a:fld id="{00000000-1234-1234-1234-123412341234}" type="slidenum">
-              <a:rPr lang="en-US" smtClean="0"/>
-              <a:pPr marL="0" lvl="0" indent="0" algn="r" rtl="0">
-                <a:spcBef>
-                  <a:spcPts val="0"/>
-                </a:spcBef>
-                <a:spcAft>
-                  <a:spcPts val="0"/>
-                </a:spcAft>
-                <a:buNone/>
-              </a:pPr>
-              <a:t>32</a:t>
-            </a:fld>
-            <a:endParaRPr lang="en-US" dirty="0"/>
           </a:p>
         </p:txBody>
       </p:sp>
@@ -30388,72 +30061,6 @@
       </p:sp>
       <p:sp>
         <p:nvSpPr>
-          <p:cNvPr id="7" name="Google Shape;123;p16"/>
-          <p:cNvSpPr txBox="1"/>
-          <p:nvPr/>
-        </p:nvSpPr>
-        <p:spPr>
-          <a:xfrm>
-            <a:off x="6553200" y="6356350"/>
-            <a:ext cx="2133600" cy="365125"/>
-          </a:xfrm>
-          <a:prstGeom prst="rect">
-            <a:avLst/>
-          </a:prstGeom>
-          <a:noFill/>
-          <a:ln>
-            <a:noFill/>
-          </a:ln>
-        </p:spPr>
-        <p:txBody>
-          <a:bodyPr spcFirstLastPara="1" wrap="square" lIns="90000" tIns="46800" rIns="90000" bIns="46800" anchor="ctr" anchorCtr="0">
-            <a:noAutofit/>
-          </a:bodyPr>
-          <a:lstStyle/>
-          <a:p>
-            <a:pPr marL="0" marR="0" lvl="0" indent="0" algn="r" rtl="0">
-              <a:lnSpc>
-                <a:spcPct val="100000"/>
-              </a:lnSpc>
-              <a:spcBef>
-                <a:spcPts val="0"/>
-              </a:spcBef>
-              <a:spcAft>
-                <a:spcPts val="0"/>
-              </a:spcAft>
-              <a:buClr>
-                <a:srgbClr val="000000"/>
-              </a:buClr>
-              <a:buSzPts val="1200"/>
-              <a:buFont typeface="Times New Roman"/>
-              <a:buNone/>
-            </a:pPr>
-            <a:r>
-              <a:rPr lang="en-US" sz="1200" b="0" i="0" u="none" dirty="0" smtClean="0">
-                <a:solidFill>
-                  <a:srgbClr val="898989"/>
-                </a:solidFill>
-                <a:latin typeface="Calibri"/>
-                <a:ea typeface="Calibri"/>
-                <a:cs typeface="Calibri"/>
-                <a:sym typeface="Calibri"/>
-              </a:rPr>
-              <a:t>22</a:t>
-            </a:r>
-            <a:endParaRPr sz="1200" b="0" i="0" u="none" dirty="0">
-              <a:solidFill>
-                <a:srgbClr val="898989"/>
-              </a:solidFill>
-              <a:latin typeface="Calibri"/>
-              <a:ea typeface="Calibri"/>
-              <a:cs typeface="Calibri"/>
-              <a:sym typeface="Calibri"/>
-            </a:endParaRPr>
-          </a:p>
-        </p:txBody>
-      </p:sp>
-      <p:sp>
-        <p:nvSpPr>
           <p:cNvPr id="8" name="Google Shape;124;p16"/>
           <p:cNvSpPr/>
           <p:nvPr/>
@@ -30601,6 +30208,47 @@
       </p:grpSpPr>
       <p:sp>
         <p:nvSpPr>
+          <p:cNvPr id="11" name="Slide Number Placeholder 10"/>
+          <p:cNvSpPr>
+            <a:spLocks noGrp="1"/>
+          </p:cNvSpPr>
+          <p:nvPr>
+            <p:ph type="sldNum" idx="12"/>
+          </p:nvPr>
+        </p:nvSpPr>
+        <p:spPr/>
+        <p:txBody>
+          <a:bodyPr/>
+          <a:lstStyle/>
+          <a:p>
+            <a:pPr marL="0" lvl="0" indent="0" algn="r" rtl="0">
+              <a:spcBef>
+                <a:spcPts val="0"/>
+              </a:spcBef>
+              <a:spcAft>
+                <a:spcPts val="0"/>
+              </a:spcAft>
+              <a:buNone/>
+            </a:pPr>
+            <a:fld id="{00000000-1234-1234-1234-123412341234}" type="slidenum">
+              <a:rPr lang="en-US" smtClean="0"/>
+              <a:pPr marL="0" lvl="0" indent="0" algn="r" rtl="0">
+                <a:spcBef>
+                  <a:spcPts val="0"/>
+                </a:spcBef>
+                <a:spcAft>
+                  <a:spcPts val="0"/>
+                </a:spcAft>
+                <a:buNone/>
+              </a:pPr>
+              <a:t>34</a:t>
+            </a:fld>
+            <a:endParaRPr lang="en-US" dirty="0"/>
+          </a:p>
+        </p:txBody>
+      </p:sp>
+      <p:sp>
+        <p:nvSpPr>
           <p:cNvPr id="9" name="Date Placeholder 8"/>
           <p:cNvSpPr>
             <a:spLocks noGrp="1"/>
@@ -30844,72 +30492,6 @@
       </p:sp>
       <p:sp>
         <p:nvSpPr>
-          <p:cNvPr id="7" name="Google Shape;123;p16"/>
-          <p:cNvSpPr txBox="1"/>
-          <p:nvPr/>
-        </p:nvSpPr>
-        <p:spPr>
-          <a:xfrm>
-            <a:off x="6553200" y="6356350"/>
-            <a:ext cx="2133600" cy="365125"/>
-          </a:xfrm>
-          <a:prstGeom prst="rect">
-            <a:avLst/>
-          </a:prstGeom>
-          <a:noFill/>
-          <a:ln>
-            <a:noFill/>
-          </a:ln>
-        </p:spPr>
-        <p:txBody>
-          <a:bodyPr spcFirstLastPara="1" wrap="square" lIns="90000" tIns="46800" rIns="90000" bIns="46800" anchor="ctr" anchorCtr="0">
-            <a:noAutofit/>
-          </a:bodyPr>
-          <a:lstStyle/>
-          <a:p>
-            <a:pPr marL="0" marR="0" lvl="0" indent="0" algn="r" rtl="0">
-              <a:lnSpc>
-                <a:spcPct val="100000"/>
-              </a:lnSpc>
-              <a:spcBef>
-                <a:spcPts val="0"/>
-              </a:spcBef>
-              <a:spcAft>
-                <a:spcPts val="0"/>
-              </a:spcAft>
-              <a:buClr>
-                <a:srgbClr val="000000"/>
-              </a:buClr>
-              <a:buSzPts val="1200"/>
-              <a:buFont typeface="Times New Roman"/>
-              <a:buNone/>
-            </a:pPr>
-            <a:r>
-              <a:rPr lang="en-IN" sz="1200" b="0" i="0" u="none" dirty="0" smtClean="0">
-                <a:solidFill>
-                  <a:srgbClr val="898989"/>
-                </a:solidFill>
-                <a:latin typeface="Calibri"/>
-                <a:ea typeface="Calibri"/>
-                <a:cs typeface="Calibri"/>
-                <a:sym typeface="Calibri"/>
-              </a:rPr>
-              <a:t>23</a:t>
-            </a:r>
-            <a:endParaRPr sz="1200" b="0" i="0" u="none" dirty="0">
-              <a:solidFill>
-                <a:srgbClr val="898989"/>
-              </a:solidFill>
-              <a:latin typeface="Calibri"/>
-              <a:ea typeface="Calibri"/>
-              <a:cs typeface="Calibri"/>
-              <a:sym typeface="Calibri"/>
-            </a:endParaRPr>
-          </a:p>
-        </p:txBody>
-      </p:sp>
-      <p:sp>
-        <p:nvSpPr>
           <p:cNvPr id="8" name="Google Shape;124;p16"/>
           <p:cNvSpPr/>
           <p:nvPr/>
@@ -30974,47 +30556,6 @@
               </a:rPr>
               <a:t>CSE Department, JECC</a:t>
             </a:r>
-          </a:p>
-        </p:txBody>
-      </p:sp>
-      <p:sp>
-        <p:nvSpPr>
-          <p:cNvPr id="11" name="Slide Number Placeholder 10"/>
-          <p:cNvSpPr>
-            <a:spLocks noGrp="1"/>
-          </p:cNvSpPr>
-          <p:nvPr>
-            <p:ph type="sldNum" idx="12"/>
-          </p:nvPr>
-        </p:nvSpPr>
-        <p:spPr/>
-        <p:txBody>
-          <a:bodyPr/>
-          <a:lstStyle/>
-          <a:p>
-            <a:pPr marL="0" lvl="0" indent="0" algn="r" rtl="0">
-              <a:spcBef>
-                <a:spcPts val="0"/>
-              </a:spcBef>
-              <a:spcAft>
-                <a:spcPts val="0"/>
-              </a:spcAft>
-              <a:buNone/>
-            </a:pPr>
-            <a:fld id="{00000000-1234-1234-1234-123412341234}" type="slidenum">
-              <a:rPr lang="en-US" smtClean="0"/>
-              <a:pPr marL="0" lvl="0" indent="0" algn="r" rtl="0">
-                <a:spcBef>
-                  <a:spcPts val="0"/>
-                </a:spcBef>
-                <a:spcAft>
-                  <a:spcPts val="0"/>
-                </a:spcAft>
-                <a:buNone/>
-              </a:pPr>
-              <a:t>34</a:t>
-            </a:fld>
-            <a:endParaRPr lang="en-US" dirty="0"/>
           </a:p>
         </p:txBody>
       </p:sp>
@@ -31279,18 +30820,6 @@
               <a:buFont typeface="Times New Roman"/>
               <a:buNone/>
             </a:pPr>
-            <a:r>
-              <a:rPr lang="en-US" sz="1200" b="0" i="0" u="none" dirty="0" smtClean="0">
-                <a:solidFill>
-                  <a:srgbClr val="898989"/>
-                </a:solidFill>
-                <a:latin typeface="Calibri"/>
-                <a:ea typeface="Calibri"/>
-                <a:cs typeface="Calibri"/>
-                <a:sym typeface="Calibri"/>
-              </a:rPr>
-              <a:t>24</a:t>
-            </a:r>
             <a:endParaRPr sz="1200" b="0" i="0" u="none" dirty="0">
               <a:solidFill>
                 <a:srgbClr val="898989"/>
@@ -31382,7 +30911,12 @@
             <p:ph type="sldNum" idx="12"/>
           </p:nvPr>
         </p:nvSpPr>
-        <p:spPr/>
+        <p:spPr>
+          <a:xfrm>
+            <a:off x="6553200" y="6324600"/>
+            <a:ext cx="2130425" cy="393700"/>
+          </a:xfrm>
+        </p:spPr>
         <p:txBody>
           <a:bodyPr/>
           <a:lstStyle/>
@@ -31863,72 +31397,6 @@
       </p:pic>
       <p:sp>
         <p:nvSpPr>
-          <p:cNvPr id="7" name="Google Shape;123;p16"/>
-          <p:cNvSpPr txBox="1"/>
-          <p:nvPr/>
-        </p:nvSpPr>
-        <p:spPr>
-          <a:xfrm>
-            <a:off x="6553200" y="6356350"/>
-            <a:ext cx="2133600" cy="365125"/>
-          </a:xfrm>
-          <a:prstGeom prst="rect">
-            <a:avLst/>
-          </a:prstGeom>
-          <a:noFill/>
-          <a:ln>
-            <a:noFill/>
-          </a:ln>
-        </p:spPr>
-        <p:txBody>
-          <a:bodyPr spcFirstLastPara="1" wrap="square" lIns="90000" tIns="46800" rIns="90000" bIns="46800" anchor="ctr" anchorCtr="0">
-            <a:noAutofit/>
-          </a:bodyPr>
-          <a:lstStyle/>
-          <a:p>
-            <a:pPr marL="0" marR="0" lvl="0" indent="0" algn="r" rtl="0">
-              <a:lnSpc>
-                <a:spcPct val="100000"/>
-              </a:lnSpc>
-              <a:spcBef>
-                <a:spcPts val="0"/>
-              </a:spcBef>
-              <a:spcAft>
-                <a:spcPts val="0"/>
-              </a:spcAft>
-              <a:buClr>
-                <a:srgbClr val="000000"/>
-              </a:buClr>
-              <a:buSzPts val="1200"/>
-              <a:buFont typeface="Times New Roman"/>
-              <a:buNone/>
-            </a:pPr>
-            <a:r>
-              <a:rPr lang="en-US" sz="1200" b="0" i="0" u="none" dirty="0" smtClean="0">
-                <a:solidFill>
-                  <a:srgbClr val="898989"/>
-                </a:solidFill>
-                <a:latin typeface="Calibri"/>
-                <a:ea typeface="Calibri"/>
-                <a:cs typeface="Calibri"/>
-                <a:sym typeface="Calibri"/>
-              </a:rPr>
-              <a:t>25</a:t>
-            </a:r>
-            <a:endParaRPr sz="1200" b="0" i="0" u="none" dirty="0">
-              <a:solidFill>
-                <a:srgbClr val="898989"/>
-              </a:solidFill>
-              <a:latin typeface="Calibri"/>
-              <a:ea typeface="Calibri"/>
-              <a:cs typeface="Calibri"/>
-              <a:sym typeface="Calibri"/>
-            </a:endParaRPr>
-          </a:p>
-        </p:txBody>
-      </p:sp>
-      <p:sp>
-        <p:nvSpPr>
           <p:cNvPr id="8" name="Google Shape;124;p16"/>
           <p:cNvSpPr/>
           <p:nvPr/>
@@ -32034,7 +31502,12 @@
             <p:ph type="sldNum" idx="12"/>
           </p:nvPr>
         </p:nvSpPr>
-        <p:spPr/>
+        <p:spPr>
+          <a:xfrm>
+            <a:off x="6553200" y="6296025"/>
+            <a:ext cx="2130425" cy="361950"/>
+          </a:xfrm>
+        </p:spPr>
         <p:txBody>
           <a:bodyPr/>
           <a:lstStyle/>
@@ -32624,7 +32097,7 @@
 </file>
 
 <file path=ppt/slides/slide4.xml><?xml version="1.0" encoding="utf-8"?>
-<p:sld xmlns:a="http://schemas.openxmlformats.org/drawingml/2006/main" xmlns:r="http://schemas.openxmlformats.org/officeDocument/2006/relationships" xmlns:p="http://schemas.openxmlformats.org/presentationml/2006/main" show="0">
+<p:sld xmlns:a="http://schemas.openxmlformats.org/drawingml/2006/main" xmlns:r="http://schemas.openxmlformats.org/officeDocument/2006/relationships" xmlns:p="http://schemas.openxmlformats.org/presentationml/2006/main">
   <p:cSld>
     <p:bg>
       <p:bgPr>
@@ -32682,7 +32155,7 @@
               </a:spcAft>
               <a:buNone/>
             </a:pPr>
-            <a:endParaRPr/>
+            <a:endParaRPr dirty="0"/>
           </a:p>
         </p:txBody>
       </p:sp>
@@ -32777,7 +32250,7 @@
               </a:spcAft>
               <a:buNone/>
             </a:pPr>
-            <a:endParaRPr/>
+            <a:endParaRPr dirty="0"/>
           </a:p>
         </p:txBody>
       </p:sp>
@@ -32815,7 +32288,7 @@
               </a:spcAft>
               <a:buNone/>
             </a:pPr>
-            <a:endParaRPr/>
+            <a:endParaRPr dirty="0"/>
           </a:p>
         </p:txBody>
       </p:sp>
@@ -32861,7 +32334,7 @@
               <a:buFont typeface="Times New Roman"/>
               <a:buNone/>
             </a:pPr>
-            <a:endParaRPr sz="2200" b="0" i="0" u="none">
+            <a:endParaRPr sz="2200" b="0" i="0" u="none" dirty="0">
               <a:solidFill>
                 <a:srgbClr val="000000"/>
               </a:solidFill>
@@ -32889,7 +32362,7 @@
               <a:buFont typeface="Times New Roman"/>
               <a:buNone/>
             </a:pPr>
-            <a:endParaRPr sz="2200" b="0" i="0" u="none">
+            <a:endParaRPr sz="2200" b="0" i="0" u="none" dirty="0">
               <a:solidFill>
                 <a:srgbClr val="000000"/>
               </a:solidFill>
@@ -33118,8 +32591,8 @@
         </p:nvSpPr>
         <p:spPr>
           <a:xfrm>
-            <a:off x="457200" y="1524000"/>
-            <a:ext cx="8229600" cy="811237"/>
+            <a:off x="457200" y="1524001"/>
+            <a:ext cx="8229600" cy="492596"/>
           </a:xfrm>
           <a:prstGeom prst="rect">
             <a:avLst/>
@@ -33162,7 +32635,7 @@
                 <a:cs typeface="Times New Roman"/>
                 <a:sym typeface="Times New Roman"/>
               </a:rPr>
-              <a:t>Contents should be included</a:t>
+              <a:t>Contents </a:t>
             </a:r>
             <a:endParaRPr dirty="0"/>
           </a:p>
@@ -33176,8 +32649,8 @@
         </p:nvSpPr>
         <p:spPr>
           <a:xfrm>
-            <a:off x="304800" y="2232025"/>
-            <a:ext cx="8229600" cy="4168775"/>
+            <a:off x="304800" y="2133601"/>
+            <a:ext cx="8229600" cy="4646957"/>
           </a:xfrm>
           <a:prstGeom prst="rect">
             <a:avLst/>
@@ -33193,7 +32666,7 @@
           </a:bodyPr>
           <a:lstStyle/>
           <a:p>
-            <a:pPr marL="339725" marR="0" lvl="0" indent="-339725" algn="just" rtl="0">
+            <a:pPr marL="342900" marR="0" lvl="0" indent="-342900" algn="just" rtl="0">
               <a:lnSpc>
                 <a:spcPct val="100000"/>
               </a:lnSpc>
@@ -33206,12 +32679,12 @@
               <a:buClr>
                 <a:srgbClr val="000000"/>
               </a:buClr>
-              <a:buSzPts val="2800"/>
-              <a:buFont typeface="Arial"/>
-              <a:buChar char="•"/>
+              <a:buSzPct val="100000"/>
+              <a:buFont typeface="+mj-lt"/>
+              <a:buAutoNum type="arabicPeriod"/>
             </a:pPr>
             <a:r>
-              <a:rPr lang="en-US" sz="2400" b="0" i="0" u="none" dirty="0">
+              <a:rPr lang="en-US" sz="1600" b="0" i="0" u="none" dirty="0">
                 <a:solidFill>
                   <a:srgbClr val="000000"/>
                 </a:solidFill>
@@ -33222,10 +32695,10 @@
               </a:rPr>
               <a:t>Introduction</a:t>
             </a:r>
-            <a:endParaRPr sz="1200" dirty="0"/>
-          </a:p>
-          <a:p>
-            <a:pPr marL="339725" marR="0" lvl="0" indent="-339725" algn="just" rtl="0">
+            <a:endParaRPr sz="1000" dirty="0"/>
+          </a:p>
+          <a:p>
+            <a:pPr marL="342900" marR="0" lvl="0" indent="-342900" algn="just" rtl="0">
               <a:lnSpc>
                 <a:spcPct val="100000"/>
               </a:lnSpc>
@@ -33238,12 +32711,12 @@
               <a:buClr>
                 <a:srgbClr val="000000"/>
               </a:buClr>
-              <a:buSzPts val="2800"/>
-              <a:buFont typeface="Arial"/>
-              <a:buChar char="•"/>
+              <a:buSzPct val="100000"/>
+              <a:buFont typeface="+mj-lt"/>
+              <a:buAutoNum type="arabicPeriod"/>
             </a:pPr>
             <a:r>
-              <a:rPr lang="en-US" sz="2400" b="0" i="0" u="none" dirty="0">
+              <a:rPr lang="en-US" sz="1600" b="0" i="0" u="none" dirty="0">
                 <a:solidFill>
                   <a:srgbClr val="000000"/>
                 </a:solidFill>
@@ -33255,7 +32728,7 @@
               <a:t>Existing </a:t>
             </a:r>
             <a:r>
-              <a:rPr lang="en-US" sz="2400" b="0" i="0" u="none" dirty="0" smtClean="0">
+              <a:rPr lang="en-US" sz="1600" b="0" i="0" u="none" dirty="0" smtClean="0">
                 <a:solidFill>
                   <a:srgbClr val="000000"/>
                 </a:solidFill>
@@ -33268,7 +32741,7 @@
             </a:r>
           </a:p>
           <a:p>
-            <a:pPr marL="339725" marR="0" lvl="0" indent="-339725" algn="just" rtl="0">
+            <a:pPr marL="342900" marR="0" lvl="0" indent="-342900" algn="just" rtl="0">
               <a:lnSpc>
                 <a:spcPct val="100000"/>
               </a:lnSpc>
@@ -33281,19 +32754,19 @@
               <a:buClr>
                 <a:srgbClr val="000000"/>
               </a:buClr>
-              <a:buSzPts val="2800"/>
-              <a:buFont typeface="Arial"/>
-              <a:buChar char="•"/>
+              <a:buSzPct val="100000"/>
+              <a:buFont typeface="+mj-lt"/>
+              <a:buAutoNum type="arabicPeriod"/>
             </a:pPr>
             <a:r>
-              <a:rPr lang="en-US" sz="2400" dirty="0" smtClean="0">
+              <a:rPr lang="en-US" sz="1600" dirty="0" smtClean="0">
                 <a:latin typeface="Times New Roman"/>
                 <a:cs typeface="Times New Roman"/>
                 <a:sym typeface="Times New Roman"/>
               </a:rPr>
               <a:t>Literature survey</a:t>
             </a:r>
-            <a:endParaRPr sz="1600" b="0" i="0" u="none" dirty="0">
+            <a:endParaRPr sz="1100" b="0" i="0" u="none" dirty="0">
               <a:solidFill>
                 <a:srgbClr val="000000"/>
               </a:solidFill>
@@ -33304,7 +32777,7 @@
             </a:endParaRPr>
           </a:p>
           <a:p>
-            <a:pPr marL="339725" marR="0" lvl="0" indent="-339725" algn="just" rtl="0">
+            <a:pPr marL="342900" marR="0" lvl="0" indent="-342900" algn="just" rtl="0">
               <a:lnSpc>
                 <a:spcPct val="100000"/>
               </a:lnSpc>
@@ -33317,12 +32790,12 @@
               <a:buClr>
                 <a:srgbClr val="000000"/>
               </a:buClr>
-              <a:buSzPts val="2800"/>
-              <a:buFont typeface="Arial"/>
-              <a:buChar char="•"/>
+              <a:buSzPct val="100000"/>
+              <a:buFont typeface="+mj-lt"/>
+              <a:buAutoNum type="arabicPeriod"/>
             </a:pPr>
             <a:r>
-              <a:rPr lang="en-US" sz="2400" b="0" i="0" u="none" dirty="0">
+              <a:rPr lang="en-US" sz="1600" b="0" i="0" u="none" dirty="0">
                 <a:solidFill>
                   <a:srgbClr val="000000"/>
                 </a:solidFill>
@@ -33331,9 +32804,78 @@
                 <a:cs typeface="Times New Roman"/>
                 <a:sym typeface="Times New Roman"/>
               </a:rPr>
-              <a:t>Proposed system</a:t>
-            </a:r>
-            <a:endParaRPr sz="1600" b="0" i="0" u="none" dirty="0">
+              <a:t>Proposed </a:t>
+            </a:r>
+            <a:r>
+              <a:rPr lang="en-US" sz="1600" b="0" i="0" u="none" dirty="0" smtClean="0">
+                <a:solidFill>
+                  <a:srgbClr val="000000"/>
+                </a:solidFill>
+                <a:latin typeface="Times New Roman"/>
+                <a:ea typeface="Times New Roman"/>
+                <a:cs typeface="Times New Roman"/>
+                <a:sym typeface="Times New Roman"/>
+              </a:rPr>
+              <a:t>system</a:t>
+            </a:r>
+          </a:p>
+          <a:p>
+            <a:pPr marL="342900" marR="0" lvl="0" indent="-342900" algn="just" rtl="0">
+              <a:lnSpc>
+                <a:spcPct val="100000"/>
+              </a:lnSpc>
+              <a:spcBef>
+                <a:spcPts val="700"/>
+              </a:spcBef>
+              <a:spcAft>
+                <a:spcPts val="0"/>
+              </a:spcAft>
+              <a:buClr>
+                <a:srgbClr val="000000"/>
+              </a:buClr>
+              <a:buSzPct val="100000"/>
+              <a:buFont typeface="+mj-lt"/>
+              <a:buAutoNum type="arabicPeriod"/>
+            </a:pPr>
+            <a:r>
+              <a:rPr lang="en-US" sz="1600" dirty="0" smtClean="0">
+                <a:latin typeface="Times New Roman"/>
+                <a:cs typeface="Times New Roman"/>
+                <a:sym typeface="Times New Roman"/>
+              </a:rPr>
+              <a:t>Hardware Specifications</a:t>
+            </a:r>
+          </a:p>
+          <a:p>
+            <a:pPr marL="342900" marR="0" lvl="0" indent="-342900" algn="just" rtl="0">
+              <a:lnSpc>
+                <a:spcPct val="100000"/>
+              </a:lnSpc>
+              <a:spcBef>
+                <a:spcPts val="700"/>
+              </a:spcBef>
+              <a:spcAft>
+                <a:spcPts val="0"/>
+              </a:spcAft>
+              <a:buClr>
+                <a:srgbClr val="000000"/>
+              </a:buClr>
+              <a:buSzPct val="100000"/>
+              <a:buFont typeface="+mj-lt"/>
+              <a:buAutoNum type="arabicPeriod"/>
+            </a:pPr>
+            <a:r>
+              <a:rPr lang="en-US" sz="1600" b="0" i="0" u="none" dirty="0" smtClean="0">
+                <a:solidFill>
+                  <a:srgbClr val="000000"/>
+                </a:solidFill>
+                <a:latin typeface="Times New Roman"/>
+                <a:cs typeface="Times New Roman"/>
+                <a:sym typeface="Times New Roman"/>
+              </a:rPr>
+              <a:t>Software Specifications</a:t>
+            </a:r>
+            <a:endParaRPr sz="1100" b="0" i="0" u="none" dirty="0">
               <a:solidFill>
                 <a:srgbClr val="000000"/>
               </a:solidFill>
@@ -33344,7 +32886,7 @@
             </a:endParaRPr>
           </a:p>
           <a:p>
-            <a:pPr marL="339725" marR="0" lvl="0" indent="-339725" algn="just" rtl="0">
+            <a:pPr marL="342900" marR="0" lvl="0" indent="-342900" algn="just" rtl="0">
               <a:lnSpc>
                 <a:spcPct val="100000"/>
               </a:lnSpc>
@@ -33357,12 +32899,12 @@
               <a:buClr>
                 <a:srgbClr val="000000"/>
               </a:buClr>
-              <a:buSzPts val="2800"/>
-              <a:buFont typeface="Arial"/>
-              <a:buChar char="•"/>
+              <a:buSzPct val="100000"/>
+              <a:buFont typeface="+mj-lt"/>
+              <a:buAutoNum type="arabicPeriod"/>
             </a:pPr>
             <a:r>
-              <a:rPr lang="en-US" sz="2400" dirty="0">
+              <a:rPr lang="en-US" sz="1600" dirty="0">
                 <a:latin typeface="Times New Roman"/>
                 <a:ea typeface="Times New Roman"/>
                 <a:cs typeface="Times New Roman"/>
@@ -33371,7 +32913,7 @@
               <a:t>Data Flow Diagram</a:t>
             </a:r>
             <a:r>
-              <a:rPr lang="en-US" sz="2400" b="0" i="0" u="none" dirty="0">
+              <a:rPr lang="en-US" sz="1600" b="0" i="0" u="none" dirty="0">
                 <a:solidFill>
                   <a:srgbClr val="000000"/>
                 </a:solidFill>
@@ -33383,7 +32925,7 @@
               <a:t> </a:t>
             </a:r>
             <a:r>
-              <a:rPr lang="en-US" sz="2400" b="0" i="0" u="none" dirty="0" smtClean="0">
+              <a:rPr lang="en-US" sz="1600" b="0" i="0" u="none" dirty="0" smtClean="0">
                 <a:solidFill>
                   <a:srgbClr val="000000"/>
                 </a:solidFill>
@@ -33395,7 +32937,7 @@
               <a:t>- </a:t>
             </a:r>
             <a:r>
-              <a:rPr lang="en-US" sz="2400" b="0" i="0" u="none" dirty="0">
+              <a:rPr lang="en-US" sz="1600" b="0" i="0" u="none" dirty="0">
                 <a:solidFill>
                   <a:srgbClr val="000000"/>
                 </a:solidFill>
@@ -33404,18 +32946,87 @@
                 <a:cs typeface="Times New Roman"/>
                 <a:sym typeface="Times New Roman"/>
               </a:rPr>
-              <a:t>Module wi</a:t>
-            </a:r>
-            <a:r>
-              <a:rPr lang="en-US" sz="2400" dirty="0">
+              <a:t>Module </a:t>
+            </a:r>
+            <a:r>
+              <a:rPr lang="en-US" sz="1600" b="0" i="0" u="none" dirty="0" smtClean="0">
+                <a:solidFill>
+                  <a:srgbClr val="000000"/>
+                </a:solidFill>
                 <a:latin typeface="Times New Roman"/>
                 <a:ea typeface="Times New Roman"/>
                 <a:cs typeface="Times New Roman"/>
                 <a:sym typeface="Times New Roman"/>
               </a:rPr>
+              <a:t>wi</a:t>
+            </a:r>
+            <a:r>
+              <a:rPr lang="en-US" sz="1600" dirty="0" smtClean="0">
+                <a:latin typeface="Times New Roman"/>
+                <a:ea typeface="Times New Roman"/>
+                <a:cs typeface="Times New Roman"/>
+                <a:sym typeface="Times New Roman"/>
+              </a:rPr>
               <a:t>se</a:t>
             </a:r>
-            <a:endParaRPr sz="1600" b="0" i="0" u="none" dirty="0">
+          </a:p>
+          <a:p>
+            <a:pPr marL="342900" marR="0" lvl="0" indent="-342900" algn="just" rtl="0">
+              <a:lnSpc>
+                <a:spcPct val="100000"/>
+              </a:lnSpc>
+              <a:spcBef>
+                <a:spcPts val="700"/>
+              </a:spcBef>
+              <a:spcAft>
+                <a:spcPts val="0"/>
+              </a:spcAft>
+              <a:buClr>
+                <a:srgbClr val="000000"/>
+              </a:buClr>
+              <a:buSzPct val="100000"/>
+              <a:buFont typeface="+mj-lt"/>
+              <a:buAutoNum type="arabicPeriod"/>
+            </a:pPr>
+            <a:r>
+              <a:rPr lang="en-US" sz="1600" b="0" i="0" u="none" dirty="0" smtClean="0">
+                <a:solidFill>
+                  <a:srgbClr val="000000"/>
+                </a:solidFill>
+                <a:latin typeface="Times New Roman"/>
+                <a:cs typeface="Times New Roman"/>
+                <a:sym typeface="Times New Roman"/>
+              </a:rPr>
+              <a:t>Architecture</a:t>
+            </a:r>
+          </a:p>
+          <a:p>
+            <a:pPr marL="342900" marR="0" lvl="0" indent="-342900" algn="just" rtl="0">
+              <a:lnSpc>
+                <a:spcPct val="100000"/>
+              </a:lnSpc>
+              <a:spcBef>
+                <a:spcPts val="700"/>
+              </a:spcBef>
+              <a:spcAft>
+                <a:spcPts val="0"/>
+              </a:spcAft>
+              <a:buClr>
+                <a:srgbClr val="000000"/>
+              </a:buClr>
+              <a:buSzPct val="100000"/>
+              <a:buFont typeface="+mj-lt"/>
+              <a:buAutoNum type="arabicPeriod"/>
+            </a:pPr>
+            <a:r>
+              <a:rPr lang="en-US" sz="1600" dirty="0" smtClean="0">
+                <a:latin typeface="Times New Roman"/>
+                <a:cs typeface="Times New Roman"/>
+                <a:sym typeface="Times New Roman"/>
+              </a:rPr>
+              <a:t>Screenshot of Implementation</a:t>
+            </a:r>
+            <a:endParaRPr sz="1100" b="0" i="0" u="none" dirty="0">
               <a:solidFill>
                 <a:srgbClr val="000000"/>
               </a:solidFill>
@@ -33426,7 +33037,7 @@
             </a:endParaRPr>
           </a:p>
           <a:p>
-            <a:pPr marL="339725" marR="0" lvl="0" indent="-339725" algn="just" rtl="0">
+            <a:pPr marL="342900" marR="0" lvl="0" indent="-342900" algn="just" rtl="0">
               <a:lnSpc>
                 <a:spcPct val="100000"/>
               </a:lnSpc>
@@ -33439,12 +33050,12 @@
               <a:buClr>
                 <a:srgbClr val="000000"/>
               </a:buClr>
-              <a:buSzPts val="2800"/>
-              <a:buFont typeface="Arial"/>
-              <a:buChar char="•"/>
+              <a:buSzPct val="100000"/>
+              <a:buFont typeface="+mj-lt"/>
+              <a:buAutoNum type="arabicPeriod"/>
             </a:pPr>
             <a:r>
-              <a:rPr lang="en-US" sz="2400" b="0" i="0" u="none" dirty="0">
+              <a:rPr lang="en-US" sz="1600" b="0" i="0" u="none" dirty="0">
                 <a:solidFill>
                   <a:srgbClr val="000000"/>
                 </a:solidFill>
@@ -33456,7 +33067,7 @@
               <a:t>Detailed design </a:t>
             </a:r>
             <a:r>
-              <a:rPr lang="en-US" sz="2400" b="0" i="0" u="none" dirty="0" smtClean="0">
+              <a:rPr lang="en-US" sz="1600" b="0" i="0" u="none" dirty="0" smtClean="0">
                 <a:solidFill>
                   <a:srgbClr val="000000"/>
                 </a:solidFill>
@@ -33468,7 +33079,7 @@
               <a:t>of </a:t>
             </a:r>
             <a:r>
-              <a:rPr lang="en-US" sz="2400" b="0" i="0" u="none" dirty="0">
+              <a:rPr lang="en-US" sz="1600" b="0" i="0" u="none" dirty="0">
                 <a:solidFill>
                   <a:srgbClr val="000000"/>
                 </a:solidFill>
@@ -33480,7 +33091,7 @@
               <a:t>the </a:t>
             </a:r>
             <a:r>
-              <a:rPr lang="en-US" sz="2400" b="0" i="0" u="none" dirty="0" smtClean="0">
+              <a:rPr lang="en-US" sz="1600" b="0" i="0" u="none" dirty="0" smtClean="0">
                 <a:solidFill>
                   <a:srgbClr val="000000"/>
                 </a:solidFill>
@@ -33492,7 +33103,7 @@
               <a:t>projec</a:t>
             </a:r>
             <a:r>
-              <a:rPr lang="en-US" sz="2400" dirty="0" smtClean="0">
+              <a:rPr lang="en-US" sz="1600" dirty="0" smtClean="0">
                 <a:latin typeface="Times New Roman"/>
                 <a:ea typeface="Times New Roman"/>
                 <a:cs typeface="Times New Roman"/>
@@ -33502,7 +33113,7 @@
             </a:r>
           </a:p>
           <a:p>
-            <a:pPr marL="339725" marR="0" lvl="0" indent="-339725" algn="just" rtl="0">
+            <a:pPr marL="342900" marR="0" lvl="0" indent="-342900" algn="just" rtl="0">
               <a:lnSpc>
                 <a:spcPct val="100000"/>
               </a:lnSpc>
@@ -33515,12 +33126,12 @@
               <a:buClr>
                 <a:srgbClr val="000000"/>
               </a:buClr>
-              <a:buSzPts val="2800"/>
-              <a:buFont typeface="Arial"/>
-              <a:buChar char="•"/>
+              <a:buSzPct val="100000"/>
+              <a:buFont typeface="+mj-lt"/>
+              <a:buAutoNum type="arabicPeriod"/>
             </a:pPr>
             <a:r>
-              <a:rPr lang="en-US" sz="2400" b="0" i="0" u="none" dirty="0" smtClean="0">
+              <a:rPr lang="en-US" sz="1600" b="0" i="0" u="none" dirty="0" smtClean="0">
                 <a:solidFill>
                   <a:srgbClr val="000000"/>
                 </a:solidFill>
@@ -33530,7 +33141,7 @@
               </a:rPr>
               <a:t>Application and future enhancement</a:t>
             </a:r>
-            <a:endParaRPr sz="1600" b="0" i="0" u="none" dirty="0">
+            <a:endParaRPr sz="1100" b="0" i="0" u="none" dirty="0">
               <a:solidFill>
                 <a:srgbClr val="000000"/>
               </a:solidFill>
@@ -33541,7 +33152,7 @@
             </a:endParaRPr>
           </a:p>
           <a:p>
-            <a:pPr marL="339725" marR="0" lvl="0" indent="-339725" algn="just" rtl="0">
+            <a:pPr marL="342900" marR="0" lvl="0" indent="-342900" algn="just" rtl="0">
               <a:lnSpc>
                 <a:spcPct val="100000"/>
               </a:lnSpc>
@@ -33554,12 +33165,12 @@
               <a:buClr>
                 <a:srgbClr val="000000"/>
               </a:buClr>
-              <a:buSzPts val="2800"/>
-              <a:buFont typeface="Arial"/>
-              <a:buChar char="•"/>
+              <a:buSzPct val="100000"/>
+              <a:buFont typeface="+mj-lt"/>
+              <a:buAutoNum type="arabicPeriod"/>
             </a:pPr>
             <a:r>
-              <a:rPr lang="en-US" sz="2400" b="0" i="0" u="none" dirty="0">
+              <a:rPr lang="en-US" sz="1600" b="0" i="0" u="none" dirty="0">
                 <a:solidFill>
                   <a:srgbClr val="000000"/>
                 </a:solidFill>
@@ -33570,10 +33181,10 @@
               </a:rPr>
               <a:t>Conclusions</a:t>
             </a:r>
-            <a:endParaRPr sz="1200" dirty="0"/>
-          </a:p>
-          <a:p>
-            <a:pPr marL="339725" marR="0" lvl="0" indent="-339725" algn="just" rtl="0">
+            <a:endParaRPr sz="1000" dirty="0"/>
+          </a:p>
+          <a:p>
+            <a:pPr marL="342900" marR="0" lvl="0" indent="-342900" algn="just" rtl="0">
               <a:lnSpc>
                 <a:spcPct val="100000"/>
               </a:lnSpc>
@@ -33586,12 +33197,12 @@
               <a:buClr>
                 <a:srgbClr val="000000"/>
               </a:buClr>
-              <a:buSzPts val="2800"/>
-              <a:buFont typeface="Arial"/>
-              <a:buChar char="•"/>
+              <a:buSzPct val="100000"/>
+              <a:buFont typeface="+mj-lt"/>
+              <a:buAutoNum type="arabicPeriod"/>
             </a:pPr>
             <a:r>
-              <a:rPr lang="en-US" sz="2400" b="0" i="0" u="none" dirty="0">
+              <a:rPr lang="en-US" sz="1600" b="0" i="0" u="none" dirty="0">
                 <a:solidFill>
                   <a:srgbClr val="000000"/>
                 </a:solidFill>
@@ -33603,7 +33214,7 @@
               <a:t>Reference</a:t>
             </a:r>
             <a:r>
-              <a:rPr lang="en-US" sz="2800" b="0" i="0" u="none" dirty="0">
+              <a:rPr lang="en-US" sz="1800" b="0" i="0" u="none" dirty="0">
                 <a:solidFill>
                   <a:srgbClr val="000000"/>
                 </a:solidFill>
@@ -33614,7 +33225,7 @@
               </a:rPr>
               <a:t>s</a:t>
             </a:r>
-            <a:endParaRPr sz="1800" b="0" i="0" u="none" dirty="0">
+            <a:endParaRPr sz="1200" b="0" i="0" u="none" dirty="0">
               <a:solidFill>
                 <a:srgbClr val="000000"/>
               </a:solidFill>
@@ -33625,7 +33236,7 @@
             </a:endParaRPr>
           </a:p>
           <a:p>
-            <a:pPr marL="339725" marR="0" lvl="0" indent="-339725" algn="just" rtl="0">
+            <a:pPr marL="342900" marR="0" lvl="0" indent="-342900" algn="just" rtl="0">
               <a:lnSpc>
                 <a:spcPct val="100000"/>
               </a:lnSpc>
@@ -33638,11 +33249,11 @@
               <a:buClr>
                 <a:srgbClr val="000000"/>
               </a:buClr>
-              <a:buSzPts val="2800"/>
-              <a:buFont typeface="Times New Roman"/>
-              <a:buNone/>
+              <a:buSzPct val="100000"/>
+              <a:buFont typeface="+mj-lt"/>
+              <a:buAutoNum type="arabicPeriod"/>
             </a:pPr>
-            <a:endParaRPr sz="2800" b="0" i="0" u="none" dirty="0">
+            <a:endParaRPr sz="1800" b="0" i="0" u="none" dirty="0">
               <a:solidFill>
                 <a:srgbClr val="000000"/>
               </a:solidFill>
@@ -33728,6 +33339,54 @@
       </p:sp>
       <p:sp>
         <p:nvSpPr>
+          <p:cNvPr id="2" name="Rectangle 1"/>
+          <p:cNvSpPr/>
+          <p:nvPr/>
+        </p:nvSpPr>
+        <p:spPr>
+          <a:xfrm>
+            <a:off x="457200" y="6470650"/>
+            <a:ext cx="792178" cy="247650"/>
+          </a:xfrm>
+          <a:prstGeom prst="rect">
+            <a:avLst/>
+          </a:prstGeom>
+          <a:solidFill>
+            <a:srgbClr val="FFFFFF"/>
+          </a:solidFill>
+          <a:ln>
+            <a:solidFill>
+              <a:srgbClr val="FFFFFF"/>
+            </a:solidFill>
+          </a:ln>
+        </p:spPr>
+        <p:style>
+          <a:lnRef idx="2">
+            <a:schemeClr val="accent1">
+              <a:shade val="50000"/>
+            </a:schemeClr>
+          </a:lnRef>
+          <a:fillRef idx="1">
+            <a:schemeClr val="accent1"/>
+          </a:fillRef>
+          <a:effectRef idx="0">
+            <a:schemeClr val="accent1"/>
+          </a:effectRef>
+          <a:fontRef idx="minor">
+            <a:schemeClr val="lt1"/>
+          </a:fontRef>
+        </p:style>
+        <p:txBody>
+          <a:bodyPr rtlCol="0" anchor="ctr"/>
+          <a:lstStyle/>
+          <a:p>
+            <a:pPr algn="ctr"/>
+            <a:endParaRPr lang="en-IN"/>
+          </a:p>
+        </p:txBody>
+      </p:sp>
+      <p:sp>
+        <p:nvSpPr>
           <p:cNvPr id="16" name="Date Placeholder 8"/>
           <p:cNvSpPr>
             <a:spLocks noGrp="1"/>
@@ -33738,7 +33397,7 @@
         </p:nvSpPr>
         <p:spPr>
           <a:xfrm>
-            <a:off x="457200" y="6356350"/>
+            <a:off x="511977" y="6354290"/>
             <a:ext cx="2130425" cy="361950"/>
           </a:xfrm>
         </p:spPr>
@@ -33836,7 +33495,7 @@
               </a:spcAft>
               <a:buNone/>
             </a:pPr>
-            <a:endParaRPr/>
+            <a:endParaRPr dirty="0"/>
           </a:p>
         </p:txBody>
       </p:sp>
@@ -33931,7 +33590,7 @@
               </a:spcAft>
               <a:buNone/>
             </a:pPr>
-            <a:endParaRPr/>
+            <a:endParaRPr dirty="0"/>
           </a:p>
         </p:txBody>
       </p:sp>
@@ -33969,7 +33628,7 @@
               </a:spcAft>
               <a:buNone/>
             </a:pPr>
-            <a:endParaRPr/>
+            <a:endParaRPr dirty="0"/>
           </a:p>
         </p:txBody>
       </p:sp>
@@ -34015,7 +33674,7 @@
               <a:buFont typeface="Times New Roman"/>
               <a:buNone/>
             </a:pPr>
-            <a:endParaRPr sz="2200" b="0" i="0" u="none">
+            <a:endParaRPr sz="2200" b="0" i="0" u="none" dirty="0">
               <a:solidFill>
                 <a:srgbClr val="000000"/>
               </a:solidFill>
@@ -34043,7 +33702,7 @@
               <a:buFont typeface="Times New Roman"/>
               <a:buNone/>
             </a:pPr>
-            <a:endParaRPr sz="2200" b="0" i="0" u="none">
+            <a:endParaRPr sz="2200" b="0" i="0" u="none" dirty="0">
               <a:solidFill>
                 <a:srgbClr val="000000"/>
               </a:solidFill>
@@ -34489,7 +34148,7 @@
               </a:spcAft>
               <a:buNone/>
             </a:pPr>
-            <a:endParaRPr/>
+            <a:endParaRPr dirty="0"/>
           </a:p>
         </p:txBody>
       </p:sp>
@@ -34584,7 +34243,7 @@
               </a:spcAft>
               <a:buNone/>
             </a:pPr>
-            <a:endParaRPr/>
+            <a:endParaRPr dirty="0"/>
           </a:p>
         </p:txBody>
       </p:sp>
@@ -34622,7 +34281,7 @@
               </a:spcAft>
               <a:buNone/>
             </a:pPr>
-            <a:endParaRPr/>
+            <a:endParaRPr dirty="0"/>
           </a:p>
         </p:txBody>
       </p:sp>
@@ -34668,7 +34327,7 @@
               <a:buFont typeface="Times New Roman"/>
               <a:buNone/>
             </a:pPr>
-            <a:endParaRPr sz="2200" b="0" i="0" u="none">
+            <a:endParaRPr sz="2200" b="0" i="0" u="none" dirty="0">
               <a:solidFill>
                 <a:srgbClr val="000000"/>
               </a:solidFill>
@@ -34696,7 +34355,7 @@
               <a:buFont typeface="Times New Roman"/>
               <a:buNone/>
             </a:pPr>
-            <a:endParaRPr sz="2200" b="0" i="0" u="none">
+            <a:endParaRPr sz="2200" b="0" i="0" u="none" dirty="0">
               <a:solidFill>
                 <a:srgbClr val="000000"/>
               </a:solidFill>
@@ -35310,7 +34969,7 @@
               </a:spcAft>
               <a:buNone/>
             </a:pPr>
-            <a:endParaRPr/>
+            <a:endParaRPr dirty="0"/>
           </a:p>
         </p:txBody>
       </p:sp>
@@ -35405,7 +35064,7 @@
               </a:spcAft>
               <a:buNone/>
             </a:pPr>
-            <a:endParaRPr/>
+            <a:endParaRPr dirty="0"/>
           </a:p>
         </p:txBody>
       </p:sp>
@@ -35443,7 +35102,7 @@
               </a:spcAft>
               <a:buNone/>
             </a:pPr>
-            <a:endParaRPr/>
+            <a:endParaRPr dirty="0"/>
           </a:p>
         </p:txBody>
       </p:sp>
@@ -35489,7 +35148,7 @@
               <a:buFont typeface="Times New Roman"/>
               <a:buNone/>
             </a:pPr>
-            <a:endParaRPr sz="2200" b="0" i="0" u="none">
+            <a:endParaRPr sz="2200" b="0" i="0" u="none" dirty="0">
               <a:solidFill>
                 <a:srgbClr val="000000"/>
               </a:solidFill>
@@ -35517,7 +35176,7 @@
               <a:buFont typeface="Times New Roman"/>
               <a:buNone/>
             </a:pPr>
-            <a:endParaRPr sz="2200" b="0" i="0" u="none">
+            <a:endParaRPr sz="2200" b="0" i="0" u="none" dirty="0">
               <a:solidFill>
                 <a:srgbClr val="000000"/>
               </a:solidFill>
@@ -36730,14 +36389,14 @@
           <a:p>
             <a:pPr marL="228600" indent="0"/>
             <a:r>
-              <a:rPr lang="en-IN" sz="2800" b="1" dirty="0" smtClean="0">
+              <a:rPr lang="en-IN" sz="2400" b="1" dirty="0" smtClean="0">
                 <a:latin typeface="Times New Roman" pitchFamily="18" charset="0"/>
                 <a:cs typeface="Times New Roman" pitchFamily="18" charset="0"/>
               </a:rPr>
               <a:t>Technology Used</a:t>
             </a:r>
             <a:r>
-              <a:rPr lang="en-IN" sz="2800" dirty="0" smtClean="0">
+              <a:rPr lang="en-IN" sz="2400" dirty="0" smtClean="0">
                 <a:latin typeface="Times New Roman" pitchFamily="18" charset="0"/>
                 <a:cs typeface="Times New Roman" pitchFamily="18" charset="0"/>
               </a:rPr>
@@ -36750,74 +36409,74 @@
               <a:buAutoNum type="arabicPeriod"/>
             </a:pPr>
             <a:r>
-              <a:rPr lang="en-IN" sz="2400" b="1" dirty="0" smtClean="0">
+              <a:rPr lang="en-IN" sz="2000" b="1" dirty="0" smtClean="0">
                 <a:latin typeface="Times New Roman" pitchFamily="18" charset="0"/>
                 <a:cs typeface="Times New Roman" pitchFamily="18" charset="0"/>
               </a:rPr>
               <a:t>Pre-processing</a:t>
             </a:r>
             <a:r>
-              <a:rPr lang="en-IN" sz="1200" b="1" dirty="0" smtClean="0"/>
+              <a:rPr lang="en-IN" sz="1100" b="1" dirty="0" smtClean="0"/>
               <a:t>: </a:t>
             </a:r>
             <a:r>
-              <a:rPr lang="en-US" sz="2400" dirty="0" smtClean="0">
+              <a:rPr lang="en-US" sz="2000" dirty="0" smtClean="0">
                 <a:latin typeface="Times New Roman" pitchFamily="18" charset="0"/>
                 <a:cs typeface="Times New Roman" pitchFamily="18" charset="0"/>
               </a:rPr>
               <a:t>The </a:t>
             </a:r>
             <a:r>
-              <a:rPr lang="en-US" sz="2400" dirty="0">
+              <a:rPr lang="en-US" sz="2000" dirty="0">
                 <a:latin typeface="Times New Roman" pitchFamily="18" charset="0"/>
                 <a:cs typeface="Times New Roman" pitchFamily="18" charset="0"/>
               </a:rPr>
               <a:t>first step </a:t>
             </a:r>
             <a:r>
-              <a:rPr lang="en-US" sz="2400" dirty="0" smtClean="0">
+              <a:rPr lang="en-US" sz="2000" dirty="0" smtClean="0">
                 <a:latin typeface="Times New Roman" pitchFamily="18" charset="0"/>
                 <a:cs typeface="Times New Roman" pitchFamily="18" charset="0"/>
               </a:rPr>
               <a:t> </a:t>
             </a:r>
             <a:r>
-              <a:rPr lang="en-US" sz="2400" dirty="0">
+              <a:rPr lang="en-US" sz="2000" dirty="0">
                 <a:latin typeface="Times New Roman" pitchFamily="18" charset="0"/>
                 <a:cs typeface="Times New Roman" pitchFamily="18" charset="0"/>
               </a:rPr>
               <a:t>is converting the </a:t>
             </a:r>
             <a:r>
-              <a:rPr lang="en-US" sz="2400" dirty="0" smtClean="0">
+              <a:rPr lang="en-US" sz="2000" dirty="0" smtClean="0">
                 <a:latin typeface="Times New Roman" pitchFamily="18" charset="0"/>
                 <a:cs typeface="Times New Roman" pitchFamily="18" charset="0"/>
               </a:rPr>
               <a:t>RGB (</a:t>
             </a:r>
             <a:r>
-              <a:rPr lang="en-GB" sz="2400" dirty="0" smtClean="0">
+              <a:rPr lang="en-GB" sz="2000" dirty="0" smtClean="0">
                 <a:latin typeface="Times New Roman" pitchFamily="18" charset="0"/>
                 <a:cs typeface="Times New Roman" pitchFamily="18" charset="0"/>
               </a:rPr>
               <a:t>colour</a:t>
             </a:r>
             <a:r>
-              <a:rPr lang="en-US" sz="2400" dirty="0" smtClean="0">
+              <a:rPr lang="en-US" sz="2000" dirty="0" smtClean="0">
                 <a:latin typeface="Times New Roman" pitchFamily="18" charset="0"/>
                 <a:cs typeface="Times New Roman" pitchFamily="18" charset="0"/>
               </a:rPr>
               <a:t>) </a:t>
             </a:r>
             <a:r>
-              <a:rPr lang="en-US" sz="2400" dirty="0">
+              <a:rPr lang="en-US" sz="2000" dirty="0">
                 <a:latin typeface="Times New Roman" pitchFamily="18" charset="0"/>
                 <a:cs typeface="Times New Roman" pitchFamily="18" charset="0"/>
               </a:rPr>
               <a:t>image to </a:t>
             </a:r>
             <a:r>
-              <a:rPr lang="en-US" sz="2400" dirty="0" smtClean="0">
+              <a:rPr lang="en-US" sz="2000" dirty="0" smtClean="0">
                 <a:latin typeface="Times New Roman" pitchFamily="18" charset="0"/>
                 <a:cs typeface="Times New Roman" pitchFamily="18" charset="0"/>
               </a:rPr>
@@ -36830,28 +36489,28 @@
               <a:buAutoNum type="arabicPeriod"/>
             </a:pPr>
             <a:r>
-              <a:rPr lang="en-US" sz="2400" dirty="0" smtClean="0">
+              <a:rPr lang="en-US" sz="2000" dirty="0" smtClean="0">
                 <a:latin typeface="Times New Roman" pitchFamily="18" charset="0"/>
                 <a:cs typeface="Times New Roman" pitchFamily="18" charset="0"/>
               </a:rPr>
-              <a:t> </a:t>
-            </a:r>
-            <a:r>
-              <a:rPr lang="en-US" sz="2400" dirty="0">
+              <a:t> A Principle Component Analysis (PCA) </a:t>
+            </a:r>
+            <a:r>
+              <a:rPr lang="en-US" sz="2000" dirty="0">
                 <a:latin typeface="Times New Roman" pitchFamily="18" charset="0"/>
                 <a:cs typeface="Times New Roman" pitchFamily="18" charset="0"/>
               </a:rPr>
-              <a:t>A PCA based </a:t>
-            </a:r>
-            <a:r>
-              <a:rPr lang="en-US" sz="2400" dirty="0" smtClean="0">
+              <a:t>based </a:t>
+            </a:r>
+            <a:r>
+              <a:rPr lang="en-US" sz="2000" dirty="0" smtClean="0">
                 <a:latin typeface="Times New Roman" pitchFamily="18" charset="0"/>
                 <a:cs typeface="Times New Roman" pitchFamily="18" charset="0"/>
               </a:rPr>
               <a:t>conversion </a:t>
             </a:r>
             <a:r>
-              <a:rPr lang="en-US" sz="2400" dirty="0">
+              <a:rPr lang="en-US" sz="2000" dirty="0">
                 <a:latin typeface="Times New Roman" pitchFamily="18" charset="0"/>
                 <a:cs typeface="Times New Roman" pitchFamily="18" charset="0"/>
               </a:rPr>
@@ -36864,77 +36523,77 @@
               <a:buAutoNum type="arabicPeriod"/>
             </a:pPr>
             <a:r>
-              <a:rPr lang="en-US" sz="2400" dirty="0" smtClean="0">
+              <a:rPr lang="en-US" sz="2000" dirty="0" smtClean="0">
                 <a:latin typeface="Times New Roman" pitchFamily="18" charset="0"/>
                 <a:cs typeface="Times New Roman" pitchFamily="18" charset="0"/>
               </a:rPr>
               <a:t> </a:t>
             </a:r>
             <a:r>
-              <a:rPr lang="en-US" sz="2400" dirty="0">
+              <a:rPr lang="en-US" sz="2000" dirty="0">
                 <a:latin typeface="Times New Roman" pitchFamily="18" charset="0"/>
                 <a:cs typeface="Times New Roman" pitchFamily="18" charset="0"/>
               </a:rPr>
               <a:t>Next is a chain of basic image </a:t>
             </a:r>
             <a:r>
-              <a:rPr lang="en-US" sz="2400" dirty="0" smtClean="0">
+              <a:rPr lang="en-US" sz="2000" dirty="0" smtClean="0">
                 <a:latin typeface="Times New Roman" pitchFamily="18" charset="0"/>
                 <a:cs typeface="Times New Roman" pitchFamily="18" charset="0"/>
               </a:rPr>
               <a:t>processing techniques </a:t>
             </a:r>
             <a:r>
-              <a:rPr lang="en-US" sz="2400" dirty="0">
+              <a:rPr lang="en-US" sz="2000" dirty="0">
                 <a:latin typeface="Times New Roman" pitchFamily="18" charset="0"/>
                 <a:cs typeface="Times New Roman" pitchFamily="18" charset="0"/>
               </a:rPr>
               <a:t>to improve local contrast and suppressing </a:t>
             </a:r>
             <a:r>
-              <a:rPr lang="en-US" sz="2400" dirty="0" smtClean="0">
+              <a:rPr lang="en-US" sz="2000" dirty="0" smtClean="0">
                 <a:latin typeface="Times New Roman" pitchFamily="18" charset="0"/>
                 <a:cs typeface="Times New Roman" pitchFamily="18" charset="0"/>
               </a:rPr>
               <a:t>these </a:t>
             </a:r>
             <a:r>
-              <a:rPr lang="en-US" sz="2400" dirty="0">
+              <a:rPr lang="en-US" sz="2000" dirty="0">
                 <a:latin typeface="Times New Roman" pitchFamily="18" charset="0"/>
                 <a:cs typeface="Times New Roman" pitchFamily="18" charset="0"/>
               </a:rPr>
               <a:t>from background texture in order to efficiently </a:t>
             </a:r>
             <a:r>
-              <a:rPr lang="en-US" sz="2400" dirty="0" smtClean="0">
+              <a:rPr lang="en-US" sz="2000" dirty="0" smtClean="0">
                 <a:latin typeface="Times New Roman" pitchFamily="18" charset="0"/>
                 <a:cs typeface="Times New Roman" pitchFamily="18" charset="0"/>
               </a:rPr>
               <a:t>detect text region motivated </a:t>
             </a:r>
             <a:r>
-              <a:rPr lang="en-US" sz="2400" dirty="0">
+              <a:rPr lang="en-US" sz="2000" dirty="0">
                 <a:latin typeface="Times New Roman" pitchFamily="18" charset="0"/>
                 <a:cs typeface="Times New Roman" pitchFamily="18" charset="0"/>
               </a:rPr>
               <a:t>by </a:t>
             </a:r>
             <a:r>
-              <a:rPr lang="en-US" sz="2400" dirty="0" smtClean="0">
+              <a:rPr lang="en-US" sz="2000" dirty="0" smtClean="0">
                 <a:latin typeface="Times New Roman" pitchFamily="18" charset="0"/>
                 <a:cs typeface="Times New Roman" pitchFamily="18" charset="0"/>
               </a:rPr>
               <a:t> </a:t>
             </a:r>
             <a:r>
-              <a:rPr lang="en-US" sz="2400" dirty="0">
+              <a:rPr lang="en-US" sz="2000" dirty="0">
                 <a:latin typeface="Times New Roman" pitchFamily="18" charset="0"/>
                 <a:cs typeface="Times New Roman" pitchFamily="18" charset="0"/>
               </a:rPr>
               <a:t>where </a:t>
             </a:r>
             <a:r>
-              <a:rPr lang="en-US" sz="2400" dirty="0" smtClean="0">
+              <a:rPr lang="en-US" sz="2000" dirty="0" smtClean="0">
                 <a:latin typeface="Times New Roman" pitchFamily="18" charset="0"/>
                 <a:cs typeface="Times New Roman" pitchFamily="18" charset="0"/>
               </a:rPr>
@@ -36942,7 +36601,7 @@
             </a:r>
           </a:p>
           <a:p>
-            <a:endParaRPr lang="en-IN" sz="2400" u="sng" dirty="0" smtClean="0">
+            <a:endParaRPr lang="en-IN" sz="2000" u="sng" dirty="0" smtClean="0">
               <a:latin typeface="Times New Roman" pitchFamily="18" charset="0"/>
               <a:cs typeface="Times New Roman" pitchFamily="18" charset="0"/>
             </a:endParaRPr>
